--- a/Sentiment Analysis using Azure Data Factory and Azure Cognitive service_CloudBrew2022.pptx
+++ b/Sentiment Analysis using Azure Data Factory and Azure Cognitive service_CloudBrew2022.pptx
@@ -220,7 +220,7 @@
           <a:p>
             <a:fld id="{F33D0737-51A9-42F9-BEB1-CBEDE7D27F56}" type="datetimeFigureOut">
               <a:rPr lang="en-GB" smtClean="0"/>
-              <a:t>08/11/2022</a:t>
+              <a:t>18/11/2022</a:t>
             </a:fld>
             <a:endParaRPr lang="en-GB"/>
           </a:p>
@@ -787,7 +787,7 @@
           <a:p>
             <a:fld id="{2B074C98-E185-49EC-958C-8748029C2E0A}" type="datetimeFigureOut">
               <a:rPr lang="en-GB" smtClean="0"/>
-              <a:t>08/11/2022</a:t>
+              <a:t>18/11/2022</a:t>
             </a:fld>
             <a:endParaRPr lang="en-GB"/>
           </a:p>
@@ -957,7 +957,7 @@
           <a:p>
             <a:fld id="{2B074C98-E185-49EC-958C-8748029C2E0A}" type="datetimeFigureOut">
               <a:rPr lang="en-GB" smtClean="0"/>
-              <a:t>08/11/2022</a:t>
+              <a:t>18/11/2022</a:t>
             </a:fld>
             <a:endParaRPr lang="en-GB"/>
           </a:p>
@@ -1137,7 +1137,7 @@
           <a:p>
             <a:fld id="{2B074C98-E185-49EC-958C-8748029C2E0A}" type="datetimeFigureOut">
               <a:rPr lang="en-GB" smtClean="0"/>
-              <a:t>08/11/2022</a:t>
+              <a:t>18/11/2022</a:t>
             </a:fld>
             <a:endParaRPr lang="en-GB"/>
           </a:p>
@@ -1359,7 +1359,7 @@
           <a:p>
             <a:fld id="{B777F1EF-5332-4F11-99A6-387163511271}" type="datetimeFigureOut">
               <a:rPr lang="en-GB" smtClean="0"/>
-              <a:t>08/11/2022</a:t>
+              <a:t>18/11/2022</a:t>
             </a:fld>
             <a:endParaRPr lang="en-GB"/>
           </a:p>
@@ -1529,7 +1529,7 @@
           <a:p>
             <a:fld id="{B777F1EF-5332-4F11-99A6-387163511271}" type="datetimeFigureOut">
               <a:rPr lang="en-GB" smtClean="0"/>
-              <a:t>08/11/2022</a:t>
+              <a:t>18/11/2022</a:t>
             </a:fld>
             <a:endParaRPr lang="en-GB"/>
           </a:p>
@@ -1775,7 +1775,7 @@
           <a:p>
             <a:fld id="{B777F1EF-5332-4F11-99A6-387163511271}" type="datetimeFigureOut">
               <a:rPr lang="en-GB" smtClean="0"/>
-              <a:t>08/11/2022</a:t>
+              <a:t>18/11/2022</a:t>
             </a:fld>
             <a:endParaRPr lang="en-GB"/>
           </a:p>
@@ -2007,7 +2007,7 @@
           <a:p>
             <a:fld id="{B777F1EF-5332-4F11-99A6-387163511271}" type="datetimeFigureOut">
               <a:rPr lang="en-GB" smtClean="0"/>
-              <a:t>08/11/2022</a:t>
+              <a:t>18/11/2022</a:t>
             </a:fld>
             <a:endParaRPr lang="en-GB"/>
           </a:p>
@@ -2374,7 +2374,7 @@
           <a:p>
             <a:fld id="{B777F1EF-5332-4F11-99A6-387163511271}" type="datetimeFigureOut">
               <a:rPr lang="en-GB" smtClean="0"/>
-              <a:t>08/11/2022</a:t>
+              <a:t>18/11/2022</a:t>
             </a:fld>
             <a:endParaRPr lang="en-GB"/>
           </a:p>
@@ -2492,7 +2492,7 @@
           <a:p>
             <a:fld id="{B777F1EF-5332-4F11-99A6-387163511271}" type="datetimeFigureOut">
               <a:rPr lang="en-GB" smtClean="0"/>
-              <a:t>08/11/2022</a:t>
+              <a:t>18/11/2022</a:t>
             </a:fld>
             <a:endParaRPr lang="en-GB"/>
           </a:p>
@@ -2587,7 +2587,7 @@
           <a:p>
             <a:fld id="{B777F1EF-5332-4F11-99A6-387163511271}" type="datetimeFigureOut">
               <a:rPr lang="en-GB" smtClean="0"/>
-              <a:t>08/11/2022</a:t>
+              <a:t>18/11/2022</a:t>
             </a:fld>
             <a:endParaRPr lang="en-GB"/>
           </a:p>
@@ -2757,7 +2757,7 @@
           <a:p>
             <a:fld id="{2B074C98-E185-49EC-958C-8748029C2E0A}" type="datetimeFigureOut">
               <a:rPr lang="en-GB" smtClean="0"/>
-              <a:t>08/11/2022</a:t>
+              <a:t>18/11/2022</a:t>
             </a:fld>
             <a:endParaRPr lang="en-GB"/>
           </a:p>
@@ -3034,7 +3034,7 @@
           <a:p>
             <a:fld id="{B777F1EF-5332-4F11-99A6-387163511271}" type="datetimeFigureOut">
               <a:rPr lang="en-GB" smtClean="0"/>
-              <a:t>08/11/2022</a:t>
+              <a:t>18/11/2022</a:t>
             </a:fld>
             <a:endParaRPr lang="en-GB"/>
           </a:p>
@@ -3287,7 +3287,7 @@
           <a:p>
             <a:fld id="{B777F1EF-5332-4F11-99A6-387163511271}" type="datetimeFigureOut">
               <a:rPr lang="en-GB" smtClean="0"/>
-              <a:t>08/11/2022</a:t>
+              <a:t>18/11/2022</a:t>
             </a:fld>
             <a:endParaRPr lang="en-GB"/>
           </a:p>
@@ -3457,7 +3457,7 @@
           <a:p>
             <a:fld id="{B777F1EF-5332-4F11-99A6-387163511271}" type="datetimeFigureOut">
               <a:rPr lang="en-GB" smtClean="0"/>
-              <a:t>08/11/2022</a:t>
+              <a:t>18/11/2022</a:t>
             </a:fld>
             <a:endParaRPr lang="en-GB"/>
           </a:p>
@@ -3637,7 +3637,7 @@
           <a:p>
             <a:fld id="{B777F1EF-5332-4F11-99A6-387163511271}" type="datetimeFigureOut">
               <a:rPr lang="en-GB" smtClean="0"/>
-              <a:t>08/11/2022</a:t>
+              <a:t>18/11/2022</a:t>
             </a:fld>
             <a:endParaRPr lang="en-GB"/>
           </a:p>
@@ -3883,7 +3883,7 @@
           <a:p>
             <a:fld id="{2B074C98-E185-49EC-958C-8748029C2E0A}" type="datetimeFigureOut">
               <a:rPr lang="en-GB" smtClean="0"/>
-              <a:t>08/11/2022</a:t>
+              <a:t>18/11/2022</a:t>
             </a:fld>
             <a:endParaRPr lang="en-GB"/>
           </a:p>
@@ -4115,7 +4115,7 @@
           <a:p>
             <a:fld id="{2B074C98-E185-49EC-958C-8748029C2E0A}" type="datetimeFigureOut">
               <a:rPr lang="en-GB" smtClean="0"/>
-              <a:t>08/11/2022</a:t>
+              <a:t>18/11/2022</a:t>
             </a:fld>
             <a:endParaRPr lang="en-GB"/>
           </a:p>
@@ -4482,7 +4482,7 @@
           <a:p>
             <a:fld id="{2B074C98-E185-49EC-958C-8748029C2E0A}" type="datetimeFigureOut">
               <a:rPr lang="en-GB" smtClean="0"/>
-              <a:t>08/11/2022</a:t>
+              <a:t>18/11/2022</a:t>
             </a:fld>
             <a:endParaRPr lang="en-GB"/>
           </a:p>
@@ -4600,7 +4600,7 @@
           <a:p>
             <a:fld id="{2B074C98-E185-49EC-958C-8748029C2E0A}" type="datetimeFigureOut">
               <a:rPr lang="en-GB" smtClean="0"/>
-              <a:t>08/11/2022</a:t>
+              <a:t>18/11/2022</a:t>
             </a:fld>
             <a:endParaRPr lang="en-GB"/>
           </a:p>
@@ -4695,7 +4695,7 @@
           <a:p>
             <a:fld id="{2B074C98-E185-49EC-958C-8748029C2E0A}" type="datetimeFigureOut">
               <a:rPr lang="en-GB" smtClean="0"/>
-              <a:t>08/11/2022</a:t>
+              <a:t>18/11/2022</a:t>
             </a:fld>
             <a:endParaRPr lang="en-GB"/>
           </a:p>
@@ -4972,7 +4972,7 @@
           <a:p>
             <a:fld id="{2B074C98-E185-49EC-958C-8748029C2E0A}" type="datetimeFigureOut">
               <a:rPr lang="en-GB" smtClean="0"/>
-              <a:t>08/11/2022</a:t>
+              <a:t>18/11/2022</a:t>
             </a:fld>
             <a:endParaRPr lang="en-GB"/>
           </a:p>
@@ -5225,7 +5225,7 @@
           <a:p>
             <a:fld id="{2B074C98-E185-49EC-958C-8748029C2E0A}" type="datetimeFigureOut">
               <a:rPr lang="en-GB" smtClean="0"/>
-              <a:t>08/11/2022</a:t>
+              <a:t>18/11/2022</a:t>
             </a:fld>
             <a:endParaRPr lang="en-GB"/>
           </a:p>
@@ -5438,7 +5438,7 @@
           <a:p>
             <a:fld id="{2B074C98-E185-49EC-958C-8748029C2E0A}" type="datetimeFigureOut">
               <a:rPr lang="en-GB" smtClean="0"/>
-              <a:t>08/11/2022</a:t>
+              <a:t>18/11/2022</a:t>
             </a:fld>
             <a:endParaRPr lang="en-GB"/>
           </a:p>
@@ -5994,7 +5994,7 @@
           <a:p>
             <a:fld id="{B777F1EF-5332-4F11-99A6-387163511271}" type="datetimeFigureOut">
               <a:rPr lang="en-GB" smtClean="0"/>
-              <a:t>08/11/2022</a:t>
+              <a:t>18/11/2022</a:t>
             </a:fld>
             <a:endParaRPr lang="en-GB"/>
           </a:p>
@@ -6417,7 +6417,7 @@
         </p:nvSpPr>
         <p:spPr>
           <a:xfrm>
-            <a:off x="1441032" y="1657616"/>
+            <a:off x="1443719" y="2240322"/>
             <a:ext cx="9637776" cy="2387600"/>
           </a:xfrm>
         </p:spPr>
@@ -6486,15 +6486,15 @@
         </p:nvSpPr>
         <p:spPr>
           <a:xfrm>
-            <a:off x="8767691" y="6460500"/>
-            <a:ext cx="1927131" cy="369332"/>
+            <a:off x="9771738" y="6554630"/>
+            <a:ext cx="2796780" cy="369332"/>
           </a:xfrm>
           <a:prstGeom prst="rect">
             <a:avLst/>
           </a:prstGeom>
         </p:spPr>
         <p:txBody>
-          <a:bodyPr wrap="none">
+          <a:bodyPr wrap="square">
             <a:spAutoFit/>
           </a:bodyPr>
           <a:lstStyle/>
@@ -6526,7 +6526,7 @@
                 <a:effectLst/>
                 <a:latin typeface="open sans" panose="020B0606030504020204" pitchFamily="34" charset="0"/>
               </a:rPr>
-              <a:t>2022</a:t>
+              <a:t>2022 11:30</a:t>
             </a:r>
             <a:endParaRPr lang="en-GB" dirty="0"/>
           </a:p>
@@ -6548,7 +6548,7 @@
         </p:blipFill>
         <p:spPr>
           <a:xfrm>
-            <a:off x="6475256" y="4158024"/>
+            <a:off x="6573868" y="4825895"/>
             <a:ext cx="857250" cy="657225"/>
           </a:xfrm>
           <a:prstGeom prst="rect">
@@ -6564,7 +6564,7 @@
         </p:nvSpPr>
         <p:spPr>
           <a:xfrm>
-            <a:off x="5547375" y="4217311"/>
+            <a:off x="5511153" y="4885182"/>
             <a:ext cx="616620" cy="538650"/>
           </a:xfrm>
           <a:prstGeom prst="mathPlus">
@@ -6612,8 +6612,32 @@
         </p:blipFill>
         <p:spPr>
           <a:xfrm>
-            <a:off x="4276164" y="4158024"/>
+            <a:off x="4374776" y="4825895"/>
             <a:ext cx="690283" cy="771302"/>
+          </a:xfrm>
+          <a:prstGeom prst="rect">
+            <a:avLst/>
+          </a:prstGeom>
+        </p:spPr>
+      </p:pic>
+      <p:pic>
+        <p:nvPicPr>
+          <p:cNvPr id="4" name="Picture 3"/>
+          <p:cNvPicPr>
+            <a:picLocks noChangeAspect="1"/>
+          </p:cNvPicPr>
+          <p:nvPr/>
+        </p:nvPicPr>
+        <p:blipFill>
+          <a:blip r:embed="rId4"/>
+          <a:stretch>
+            <a:fillRect/>
+          </a:stretch>
+        </p:blipFill>
+        <p:spPr>
+          <a:xfrm>
+            <a:off x="2761130" y="923868"/>
+            <a:ext cx="7126941" cy="1187824"/>
           </a:xfrm>
           <a:prstGeom prst="rect">
             <a:avLst/>
@@ -6674,14 +6698,16 @@
           </a:xfrm>
         </p:spPr>
         <p:txBody>
-          <a:bodyPr/>
+          <a:bodyPr>
+            <a:normAutofit/>
+          </a:bodyPr>
           <a:lstStyle/>
           <a:p>
             <a:pPr algn="ctr"/>
             <a:r>
-              <a:rPr lang="en-US" dirty="0">
+              <a:rPr lang="en-US" sz="4800" dirty="0">
                 <a:solidFill>
-                  <a:schemeClr val="accent1"/>
+                  <a:srgbClr val="002060"/>
                 </a:solidFill>
                 <a:effectLst>
                   <a:outerShdw blurRad="38100" dist="38100" dir="2700000" algn="tl">
@@ -6694,7 +6720,10 @@
               </a:rPr>
               <a:t>What can you do in ADF? </a:t>
             </a:r>
-            <a:endParaRPr lang="en-GB" dirty="0">
+            <a:endParaRPr lang="en-GB" sz="4800" dirty="0">
+              <a:solidFill>
+                <a:srgbClr val="002060"/>
+              </a:solidFill>
               <a:effectLst>
                 <a:outerShdw blurRad="38100" dist="38100" dir="2700000" algn="tl">
                   <a:srgbClr val="000000">
@@ -6919,7 +6948,7 @@
               <a:buChar char="ü"/>
             </a:pPr>
             <a:r>
-              <a:rPr lang="en-US" sz="3000" dirty="0" smtClean="0">
+              <a:rPr lang="en-US" dirty="0" smtClean="0">
                 <a:solidFill>
                   <a:schemeClr val="accent1"/>
                 </a:solidFill>
@@ -6934,7 +6963,7 @@
               <a:t>Built in </a:t>
             </a:r>
             <a:r>
-              <a:rPr lang="en-US" sz="3000" dirty="0" err="1" smtClean="0">
+              <a:rPr lang="en-US" dirty="0" err="1" smtClean="0">
                 <a:solidFill>
                   <a:schemeClr val="accent1"/>
                 </a:solidFill>
@@ -6949,7 +6978,7 @@
               <a:t>Git</a:t>
             </a:r>
             <a:r>
-              <a:rPr lang="en-US" sz="3000" dirty="0" smtClean="0">
+              <a:rPr lang="en-US" dirty="0" smtClean="0">
                 <a:solidFill>
                   <a:schemeClr val="accent1"/>
                 </a:solidFill>
@@ -7179,6 +7208,30 @@
           <a:xfrm>
             <a:off x="0" y="-4406"/>
             <a:ext cx="690283" cy="771302"/>
+          </a:xfrm>
+          <a:prstGeom prst="rect">
+            <a:avLst/>
+          </a:prstGeom>
+        </p:spPr>
+      </p:pic>
+      <p:pic>
+        <p:nvPicPr>
+          <p:cNvPr id="10" name="Picture 9"/>
+          <p:cNvPicPr>
+            <a:picLocks noChangeAspect="1"/>
+          </p:cNvPicPr>
+          <p:nvPr/>
+        </p:nvPicPr>
+        <p:blipFill>
+          <a:blip r:embed="rId7"/>
+          <a:stretch>
+            <a:fillRect/>
+          </a:stretch>
+        </p:blipFill>
+        <p:spPr>
+          <a:xfrm>
+            <a:off x="9043" y="6313915"/>
+            <a:ext cx="1612107" cy="544085"/>
           </a:xfrm>
           <a:prstGeom prst="rect">
             <a:avLst/>
@@ -7631,16 +7684,23 @@
             <p:ph type="title"/>
           </p:nvPr>
         </p:nvSpPr>
-        <p:spPr/>
+        <p:spPr>
+          <a:xfrm>
+            <a:off x="925850" y="0"/>
+            <a:ext cx="10515600" cy="1325563"/>
+          </a:xfrm>
+        </p:spPr>
         <p:txBody>
-          <a:bodyPr/>
+          <a:bodyPr>
+            <a:normAutofit/>
+          </a:bodyPr>
           <a:lstStyle/>
           <a:p>
             <a:pPr algn="ctr"/>
             <a:r>
-              <a:rPr lang="en-US" dirty="0">
+              <a:rPr lang="en-US" sz="4800" dirty="0">
                 <a:solidFill>
-                  <a:schemeClr val="accent1"/>
+                  <a:srgbClr val="002060"/>
                 </a:solidFill>
                 <a:effectLst>
                   <a:outerShdw blurRad="38100" dist="38100" dir="2700000" algn="tl">
@@ -7649,10 +7709,14 @@
                     </a:srgbClr>
                   </a:outerShdw>
                 </a:effectLst>
+                <a:latin typeface="Calibri (Body)"/>
               </a:rPr>
               <a:t>What can you do in ADF? </a:t>
             </a:r>
-            <a:endParaRPr lang="en-GB" dirty="0">
+            <a:endParaRPr lang="en-GB" sz="4800" dirty="0">
+              <a:solidFill>
+                <a:srgbClr val="002060"/>
+              </a:solidFill>
               <a:effectLst>
                 <a:outerShdw blurRad="38100" dist="38100" dir="2700000" algn="tl">
                   <a:srgbClr val="000000">
@@ -7660,6 +7724,7 @@
                   </a:srgbClr>
                 </a:outerShdw>
               </a:effectLst>
+              <a:latin typeface="Calibri (Body)"/>
             </a:endParaRPr>
           </a:p>
         </p:txBody>
@@ -7688,7 +7753,7 @@
               <a:buNone/>
             </a:pPr>
             <a:r>
-              <a:rPr lang="en-GB" b="1" dirty="0">
+              <a:rPr lang="en-GB" dirty="0">
                 <a:solidFill>
                   <a:schemeClr val="accent1"/>
                 </a:solidFill>
@@ -7762,6 +7827,24 @@
               <a:buFont typeface="Wingdings" panose="05000000000000000000" pitchFamily="2" charset="2"/>
               <a:buChar char="ü"/>
             </a:pPr>
+            <a:endParaRPr lang="en-US" b="1" dirty="0" smtClean="0">
+              <a:solidFill>
+                <a:schemeClr val="accent1"/>
+              </a:solidFill>
+              <a:effectLst>
+                <a:outerShdw blurRad="38100" dist="38100" dir="2700000" algn="tl">
+                  <a:srgbClr val="000000">
+                    <a:alpha val="43137"/>
+                  </a:srgbClr>
+                </a:outerShdw>
+              </a:effectLst>
+            </a:endParaRPr>
+          </a:p>
+          <a:p>
+            <a:pPr>
+              <a:buFont typeface="Wingdings" panose="05000000000000000000" pitchFamily="2" charset="2"/>
+              <a:buChar char="ü"/>
+            </a:pPr>
             <a:r>
               <a:rPr lang="en-US" b="1" dirty="0" smtClean="0">
                 <a:solidFill>
@@ -7805,7 +7888,27 @@
                   </a:outerShdw>
                 </a:effectLst>
               </a:rPr>
-              <a:t>Storage </a:t>
+              <a:t>Storage</a:t>
+            </a:r>
+          </a:p>
+          <a:p>
+            <a:pPr marL="0" indent="0">
+              <a:buNone/>
+            </a:pPr>
+            <a:r>
+              <a:rPr lang="en-US" b="1" dirty="0" smtClean="0">
+                <a:solidFill>
+                  <a:schemeClr val="accent1"/>
+                </a:solidFill>
+                <a:effectLst>
+                  <a:outerShdw blurRad="38100" dist="38100" dir="2700000" algn="tl">
+                    <a:srgbClr val="000000">
+                      <a:alpha val="43137"/>
+                    </a:srgbClr>
+                  </a:outerShdw>
+                </a:effectLst>
+              </a:rPr>
+              <a:t> </a:t>
             </a:r>
           </a:p>
           <a:p>
@@ -7862,7 +7965,7 @@
         </p:blipFill>
         <p:spPr>
           <a:xfrm>
-            <a:off x="6557931" y="4106148"/>
+            <a:off x="6705849" y="4523007"/>
             <a:ext cx="1220379" cy="704004"/>
           </a:xfrm>
           <a:prstGeom prst="rect">
@@ -7886,7 +7989,7 @@
         </p:blipFill>
         <p:spPr>
           <a:xfrm>
-            <a:off x="5086450" y="4104309"/>
+            <a:off x="5234368" y="4521168"/>
             <a:ext cx="1097200" cy="779400"/>
           </a:xfrm>
           <a:prstGeom prst="rect">
@@ -7910,7 +8013,7 @@
         </p:blipFill>
         <p:spPr>
           <a:xfrm>
-            <a:off x="8160560" y="3908560"/>
+            <a:off x="8308478" y="4325419"/>
             <a:ext cx="1218708" cy="908557"/>
           </a:xfrm>
           <a:prstGeom prst="rect">
@@ -7934,7 +8037,7 @@
         </p:blipFill>
         <p:spPr>
           <a:xfrm>
-            <a:off x="9710742" y="3908560"/>
+            <a:off x="9858660" y="4325419"/>
             <a:ext cx="1085113" cy="895878"/>
           </a:xfrm>
           <a:prstGeom prst="rect">
@@ -7983,6 +8086,30 @@
           <a:xfrm>
             <a:off x="0" y="0"/>
             <a:ext cx="690283" cy="771302"/>
+          </a:xfrm>
+          <a:prstGeom prst="rect">
+            <a:avLst/>
+          </a:prstGeom>
+        </p:spPr>
+      </p:pic>
+      <p:pic>
+        <p:nvPicPr>
+          <p:cNvPr id="11" name="Picture 10"/>
+          <p:cNvPicPr>
+            <a:picLocks noChangeAspect="1"/>
+          </p:cNvPicPr>
+          <p:nvPr/>
+        </p:nvPicPr>
+        <p:blipFill>
+          <a:blip r:embed="rId7"/>
+          <a:stretch>
+            <a:fillRect/>
+          </a:stretch>
+        </p:blipFill>
+        <p:spPr>
+          <a:xfrm>
+            <a:off x="9043" y="6313915"/>
+            <a:ext cx="1612107" cy="544085"/>
           </a:xfrm>
           <a:prstGeom prst="rect">
             <a:avLst/>
@@ -8133,7 +8260,7 @@
                                         <p:tgtEl>
                                           <p:spTgt spid="6">
                                             <p:txEl>
-                                              <p:pRg st="1" end="1"/>
+                                              <p:pRg st="2" end="2"/>
                                             </p:txEl>
                                           </p:spTgt>
                                         </p:tgtEl>
@@ -8182,7 +8309,7 @@
                                         <p:tgtEl>
                                           <p:spTgt spid="6">
                                             <p:txEl>
-                                              <p:pRg st="2" end="2"/>
+                                              <p:pRg st="3" end="3"/>
                                             </p:txEl>
                                           </p:spTgt>
                                         </p:tgtEl>
@@ -8229,7 +8356,11 @@
                                           </p:stCondLst>
                                         </p:cTn>
                                         <p:tgtEl>
-                                          <p:spTgt spid="15"/>
+                                          <p:spTgt spid="6">
+                                            <p:txEl>
+                                              <p:pRg st="4" end="4"/>
+                                            </p:txEl>
+                                          </p:spTgt>
                                         </p:tgtEl>
                                         <p:attrNameLst>
                                           <p:attrName>style.visibility</p:attrName>
@@ -8274,7 +8405,7 @@
                                           </p:stCondLst>
                                         </p:cTn>
                                         <p:tgtEl>
-                                          <p:spTgt spid="14"/>
+                                          <p:spTgt spid="15"/>
                                         </p:tgtEl>
                                         <p:attrNameLst>
                                           <p:attrName>style.visibility</p:attrName>
@@ -8319,7 +8450,7 @@
                                           </p:stCondLst>
                                         </p:cTn>
                                         <p:tgtEl>
-                                          <p:spTgt spid="16"/>
+                                          <p:spTgt spid="14"/>
                                         </p:tgtEl>
                                         <p:attrNameLst>
                                           <p:attrName>style.visibility</p:attrName>
@@ -8359,6 +8490,51 @@
                                     <p:set>
                                       <p:cBhvr>
                                         <p:cTn id="34" dur="1" fill="hold">
+                                          <p:stCondLst>
+                                            <p:cond delay="0"/>
+                                          </p:stCondLst>
+                                        </p:cTn>
+                                        <p:tgtEl>
+                                          <p:spTgt spid="16"/>
+                                        </p:tgtEl>
+                                        <p:attrNameLst>
+                                          <p:attrName>style.visibility</p:attrName>
+                                        </p:attrNameLst>
+                                      </p:cBhvr>
+                                      <p:to>
+                                        <p:strVal val="visible"/>
+                                      </p:to>
+                                    </p:set>
+                                  </p:childTnLst>
+                                </p:cTn>
+                              </p:par>
+                            </p:childTnLst>
+                          </p:cTn>
+                        </p:par>
+                      </p:childTnLst>
+                    </p:cTn>
+                  </p:par>
+                  <p:par>
+                    <p:cTn id="35" fill="hold">
+                      <p:stCondLst>
+                        <p:cond delay="indefinite"/>
+                      </p:stCondLst>
+                      <p:childTnLst>
+                        <p:par>
+                          <p:cTn id="36" fill="hold">
+                            <p:stCondLst>
+                              <p:cond delay="0"/>
+                            </p:stCondLst>
+                            <p:childTnLst>
+                              <p:par>
+                                <p:cTn id="37" presetID="1" presetClass="entr" presetSubtype="0" fill="hold" nodeType="clickEffect">
+                                  <p:stCondLst>
+                                    <p:cond delay="0"/>
+                                  </p:stCondLst>
+                                  <p:childTnLst>
+                                    <p:set>
+                                      <p:cBhvr>
+                                        <p:cTn id="38" dur="1" fill="hold">
                                           <p:stCondLst>
                                             <p:cond delay="0"/>
                                           </p:stCondLst>
@@ -8440,7 +8616,7 @@
         </p:nvSpPr>
         <p:spPr>
           <a:xfrm>
-            <a:off x="681181" y="586534"/>
+            <a:off x="855993" y="0"/>
             <a:ext cx="10515600" cy="1325563"/>
           </a:xfrm>
         </p:spPr>
@@ -8454,7 +8630,7 @@
             <a:r>
               <a:rPr lang="en-US" sz="4800" dirty="0">
                 <a:solidFill>
-                  <a:schemeClr val="accent1"/>
+                  <a:srgbClr val="002060"/>
                 </a:solidFill>
                 <a:effectLst>
                   <a:outerShdw blurRad="38100" dist="38100" dir="2700000" algn="tl">
@@ -8470,7 +8646,7 @@
             <a:r>
               <a:rPr lang="en-US" sz="4800" i="1" dirty="0">
                 <a:solidFill>
-                  <a:schemeClr val="accent1"/>
+                  <a:srgbClr val="002060"/>
                 </a:solidFill>
                 <a:effectLst>
                   <a:outerShdw blurRad="38100" dist="38100" dir="2700000" algn="tl">
@@ -8486,7 +8662,7 @@
             <a:r>
               <a:rPr lang="en-US" sz="4800" i="1" dirty="0" smtClean="0">
                 <a:solidFill>
-                  <a:schemeClr val="accent1"/>
+                  <a:srgbClr val="002060"/>
                 </a:solidFill>
                 <a:effectLst>
                   <a:outerShdw blurRad="38100" dist="38100" dir="2700000" algn="tl">
@@ -8500,6 +8676,9 @@
               <a:t>in ADF? </a:t>
             </a:r>
             <a:endParaRPr lang="en-GB" sz="4800" dirty="0">
+              <a:solidFill>
+                <a:srgbClr val="002060"/>
+              </a:solidFill>
               <a:effectLst>
                 <a:outerShdw blurRad="38100" dist="38100" dir="2700000" algn="tl">
                   <a:srgbClr val="000000">
@@ -8909,6 +9088,30 @@
           <a:xfrm>
             <a:off x="35858" y="0"/>
             <a:ext cx="690283" cy="771302"/>
+          </a:xfrm>
+          <a:prstGeom prst="rect">
+            <a:avLst/>
+          </a:prstGeom>
+        </p:spPr>
+      </p:pic>
+      <p:pic>
+        <p:nvPicPr>
+          <p:cNvPr id="6" name="Picture 5"/>
+          <p:cNvPicPr>
+            <a:picLocks noChangeAspect="1"/>
+          </p:cNvPicPr>
+          <p:nvPr/>
+        </p:nvPicPr>
+        <p:blipFill>
+          <a:blip r:embed="rId3"/>
+          <a:stretch>
+            <a:fillRect/>
+          </a:stretch>
+        </p:blipFill>
+        <p:spPr>
+          <a:xfrm>
+            <a:off x="9043" y="6313915"/>
+            <a:ext cx="1612107" cy="544085"/>
           </a:xfrm>
           <a:prstGeom prst="rect">
             <a:avLst/>
@@ -9301,7 +9504,7 @@
             <a:r>
               <a:rPr lang="en-US" sz="6000" dirty="0">
                 <a:solidFill>
-                  <a:schemeClr val="accent1"/>
+                  <a:srgbClr val="002060"/>
                 </a:solidFill>
                 <a:effectLst>
                   <a:outerShdw blurRad="38100" dist="38100" dir="2700000" algn="tl">
@@ -9315,7 +9518,7 @@
             </a:r>
             <a:endParaRPr lang="en-GB" sz="6000" dirty="0">
               <a:solidFill>
-                <a:schemeClr val="accent1"/>
+                <a:srgbClr val="002060"/>
               </a:solidFill>
               <a:effectLst>
                 <a:outerShdw blurRad="38100" dist="38100" dir="2700000" algn="tl">
@@ -9408,6 +9611,30 @@
           <a:xfrm>
             <a:off x="30165" y="0"/>
             <a:ext cx="857250" cy="542012"/>
+          </a:xfrm>
+          <a:prstGeom prst="rect">
+            <a:avLst/>
+          </a:prstGeom>
+        </p:spPr>
+      </p:pic>
+      <p:pic>
+        <p:nvPicPr>
+          <p:cNvPr id="8" name="Picture 7"/>
+          <p:cNvPicPr>
+            <a:picLocks noChangeAspect="1"/>
+          </p:cNvPicPr>
+          <p:nvPr/>
+        </p:nvPicPr>
+        <p:blipFill>
+          <a:blip r:embed="rId3"/>
+          <a:stretch>
+            <a:fillRect/>
+          </a:stretch>
+        </p:blipFill>
+        <p:spPr>
+          <a:xfrm>
+            <a:off x="9043" y="6313915"/>
+            <a:ext cx="1612107" cy="544085"/>
           </a:xfrm>
           <a:prstGeom prst="rect">
             <a:avLst/>
@@ -9475,9 +9702,9 @@
           <a:p>
             <a:pPr algn="ctr"/>
             <a:r>
-              <a:rPr lang="en-US" dirty="0" smtClean="0">
+              <a:rPr lang="en-US" sz="4800" dirty="0" smtClean="0">
                 <a:solidFill>
-                  <a:schemeClr val="accent1"/>
+                  <a:srgbClr val="002060"/>
                 </a:solidFill>
                 <a:effectLst>
                   <a:outerShdw blurRad="38100" dist="38100" dir="2700000" algn="tl">
@@ -9490,9 +9717,9 @@
               </a:rPr>
               <a:t>Sentiment Analysis</a:t>
             </a:r>
-            <a:endParaRPr lang="en-US" dirty="0">
+            <a:endParaRPr lang="en-US" sz="4800" dirty="0">
               <a:solidFill>
-                <a:schemeClr val="accent1"/>
+                <a:srgbClr val="002060"/>
               </a:solidFill>
               <a:effectLst>
                 <a:outerShdw blurRad="38100" dist="38100" dir="2700000" algn="tl">
@@ -9854,6 +10081,30 @@
           <a:xfrm>
             <a:off x="99977" y="84123"/>
             <a:ext cx="857250" cy="542012"/>
+          </a:xfrm>
+          <a:prstGeom prst="rect">
+            <a:avLst/>
+          </a:prstGeom>
+        </p:spPr>
+      </p:pic>
+      <p:pic>
+        <p:nvPicPr>
+          <p:cNvPr id="6" name="Picture 5"/>
+          <p:cNvPicPr>
+            <a:picLocks noChangeAspect="1"/>
+          </p:cNvPicPr>
+          <p:nvPr/>
+        </p:nvPicPr>
+        <p:blipFill>
+          <a:blip r:embed="rId3"/>
+          <a:stretch>
+            <a:fillRect/>
+          </a:stretch>
+        </p:blipFill>
+        <p:spPr>
+          <a:xfrm>
+            <a:off x="9043" y="6313915"/>
+            <a:ext cx="1612107" cy="544085"/>
           </a:xfrm>
           <a:prstGeom prst="rect">
             <a:avLst/>
@@ -10754,7 +11005,7 @@
             <a:r>
               <a:rPr lang="en-US" sz="6000" dirty="0">
                 <a:solidFill>
-                  <a:schemeClr val="accent1"/>
+                  <a:srgbClr val="002060"/>
                 </a:solidFill>
                 <a:effectLst>
                   <a:outerShdw blurRad="38100" dist="38100" dir="2700000" algn="tl">
@@ -10769,7 +11020,7 @@
             <a:br>
               <a:rPr lang="en-US" sz="6000" dirty="0">
                 <a:solidFill>
-                  <a:schemeClr val="accent1"/>
+                  <a:srgbClr val="002060"/>
                 </a:solidFill>
                 <a:effectLst>
                   <a:outerShdw blurRad="38100" dist="38100" dir="2700000" algn="tl">
@@ -10783,7 +11034,7 @@
             <a:r>
               <a:rPr lang="en-US" sz="6000" dirty="0">
                 <a:solidFill>
-                  <a:schemeClr val="accent1"/>
+                  <a:srgbClr val="002060"/>
                 </a:solidFill>
                 <a:effectLst>
                   <a:outerShdw blurRad="38100" dist="38100" dir="2700000" algn="tl">
@@ -10797,7 +11048,7 @@
             </a:r>
             <a:endParaRPr lang="en-GB" sz="6000" dirty="0">
               <a:solidFill>
-                <a:schemeClr val="accent1"/>
+                <a:srgbClr val="002060"/>
               </a:solidFill>
               <a:effectLst>
                 <a:outerShdw blurRad="38100" dist="38100" dir="2700000" algn="tl">
@@ -10898,6 +11149,30 @@
           </a:prstGeom>
         </p:spPr>
       </p:pic>
+      <p:pic>
+        <p:nvPicPr>
+          <p:cNvPr id="7" name="Picture 6"/>
+          <p:cNvPicPr>
+            <a:picLocks noChangeAspect="1"/>
+          </p:cNvPicPr>
+          <p:nvPr/>
+        </p:nvPicPr>
+        <p:blipFill>
+          <a:blip r:embed="rId4"/>
+          <a:stretch>
+            <a:fillRect/>
+          </a:stretch>
+        </p:blipFill>
+        <p:spPr>
+          <a:xfrm>
+            <a:off x="9043" y="6313915"/>
+            <a:ext cx="1612107" cy="544085"/>
+          </a:xfrm>
+          <a:prstGeom prst="rect">
+            <a:avLst/>
+          </a:prstGeom>
+        </p:spPr>
+      </p:pic>
     </p:spTree>
     <p:extLst>
       <p:ext uri="{BB962C8B-B14F-4D97-AF65-F5344CB8AC3E}">
@@ -10954,32 +11229,18 @@
           <a:p>
             <a:pPr algn="ctr"/>
             <a:r>
-              <a:rPr lang="en-US" dirty="0">
+              <a:rPr lang="en-US" sz="4800" dirty="0">
                 <a:solidFill>
                   <a:schemeClr val="accent1"/>
                 </a:solidFill>
-                <a:effectLst>
-                  <a:outerShdw blurRad="38100" dist="38100" dir="2700000" algn="tl">
-                    <a:srgbClr val="000000">
-                      <a:alpha val="43137"/>
-                    </a:srgbClr>
-                  </a:outerShdw>
-                </a:effectLst>
                 <a:latin typeface="+mn-lt"/>
               </a:rPr>
               <a:t>Problem Statement </a:t>
             </a:r>
-            <a:endParaRPr lang="en-GB" dirty="0">
+            <a:endParaRPr lang="en-GB" sz="4800" dirty="0">
               <a:solidFill>
                 <a:schemeClr val="accent1"/>
               </a:solidFill>
-              <a:effectLst>
-                <a:outerShdw blurRad="38100" dist="38100" dir="2700000" algn="tl">
-                  <a:srgbClr val="000000">
-                    <a:alpha val="43137"/>
-                  </a:srgbClr>
-                </a:outerShdw>
-              </a:effectLst>
               <a:latin typeface="+mn-lt"/>
             </a:endParaRPr>
           </a:p>
@@ -11161,6 +11422,30 @@
           <a:xfrm>
             <a:off x="40340" y="0"/>
             <a:ext cx="690283" cy="771302"/>
+          </a:xfrm>
+          <a:prstGeom prst="rect">
+            <a:avLst/>
+          </a:prstGeom>
+        </p:spPr>
+      </p:pic>
+      <p:pic>
+        <p:nvPicPr>
+          <p:cNvPr id="6" name="Picture 5"/>
+          <p:cNvPicPr>
+            <a:picLocks noChangeAspect="1"/>
+          </p:cNvPicPr>
+          <p:nvPr/>
+        </p:nvPicPr>
+        <p:blipFill>
+          <a:blip r:embed="rId3"/>
+          <a:stretch>
+            <a:fillRect/>
+          </a:stretch>
+        </p:blipFill>
+        <p:spPr>
+          <a:xfrm>
+            <a:off x="9043" y="6313915"/>
+            <a:ext cx="1612107" cy="544085"/>
           </a:xfrm>
           <a:prstGeom prst="rect">
             <a:avLst/>
@@ -11443,7 +11728,7 @@
         </p:nvSpPr>
         <p:spPr>
           <a:xfrm>
-            <a:off x="838200" y="329266"/>
+            <a:off x="838200" y="-34636"/>
             <a:ext cx="10515600" cy="1325563"/>
           </a:xfrm>
         </p:spPr>
@@ -11455,9 +11740,9 @@
           <a:p>
             <a:pPr algn="ctr"/>
             <a:r>
-              <a:rPr lang="en-US" dirty="0" smtClean="0">
+              <a:rPr lang="en-US" sz="4800" dirty="0" smtClean="0">
                 <a:solidFill>
-                  <a:schemeClr val="accent1"/>
+                  <a:srgbClr val="002060"/>
                 </a:solidFill>
                 <a:effectLst>
                   <a:outerShdw blurRad="38100" dist="38100" dir="2700000" algn="tl">
@@ -11468,11 +11753,11 @@
                 </a:effectLst>
                 <a:latin typeface="+mn-lt"/>
               </a:rPr>
-              <a:t>Highlevel Design</a:t>
-            </a:r>
-            <a:endParaRPr lang="en-GB" dirty="0">
+              <a:t>High-level Design</a:t>
+            </a:r>
+            <a:endParaRPr lang="en-GB" sz="4800" dirty="0">
               <a:solidFill>
-                <a:schemeClr val="accent1"/>
+                <a:srgbClr val="002060"/>
               </a:solidFill>
               <a:effectLst>
                 <a:outerShdw blurRad="38100" dist="38100" dir="2700000" algn="tl">
@@ -11564,7 +11849,7 @@
                 <a:defRPr/>
               </a:pPr>
               <a:r>
-                <a:rPr kumimoji="0" lang="en-US" sz="1800" b="1" i="0" u="none" strike="noStrike" kern="1200" cap="none" spc="0" normalizeH="0" baseline="0" noProof="0" dirty="0" smtClean="0">
+                <a:rPr kumimoji="0" lang="en-US" sz="1800" i="0" u="none" strike="noStrike" kern="1200" cap="none" spc="0" normalizeH="0" baseline="0" noProof="0" dirty="0" smtClean="0">
                   <a:ln>
                     <a:noFill/>
                   </a:ln>
@@ -11585,7 +11870,7 @@
                 </a:rPr>
                 <a:t>Azure Key vault</a:t>
               </a:r>
-              <a:endParaRPr kumimoji="0" lang="en-GB" sz="1800" b="1" i="0" u="none" strike="noStrike" kern="1200" cap="none" spc="0" normalizeH="0" baseline="0" noProof="0" dirty="0">
+              <a:endParaRPr kumimoji="0" lang="en-GB" sz="1800" i="0" u="none" strike="noStrike" kern="1200" cap="none" spc="0" normalizeH="0" baseline="0" noProof="0" dirty="0">
                 <a:ln>
                   <a:noFill/>
                 </a:ln>
@@ -11677,7 +11962,7 @@
                 <a:tabLst/>
                 <a:defRPr/>
               </a:pPr>
-              <a:endParaRPr kumimoji="0" lang="en-GB" sz="1800" b="0" i="0" u="none" strike="noStrike" kern="1200" cap="none" spc="0" normalizeH="0" baseline="0" noProof="0">
+              <a:endParaRPr kumimoji="0" lang="en-GB" sz="1800" i="0" u="none" strike="noStrike" kern="1200" cap="none" spc="0" normalizeH="0" baseline="0" noProof="0">
                 <a:ln>
                   <a:noFill/>
                 </a:ln>
@@ -11758,7 +12043,7 @@
                   <a:defRPr/>
                 </a:pPr>
                 <a:r>
-                  <a:rPr kumimoji="0" lang="en-US" sz="1800" b="1" i="0" u="none" strike="noStrike" kern="1200" cap="none" spc="0" normalizeH="0" baseline="0" noProof="0" dirty="0" smtClean="0">
+                  <a:rPr kumimoji="0" lang="en-US" sz="1800" i="0" u="none" strike="noStrike" kern="1200" cap="none" spc="0" normalizeH="0" baseline="0" noProof="0" dirty="0" smtClean="0">
                     <a:ln>
                       <a:noFill/>
                     </a:ln>
@@ -11779,7 +12064,7 @@
                   </a:rPr>
                   <a:t>Azure Data Integration Platform - ADF</a:t>
                 </a:r>
-                <a:endParaRPr kumimoji="0" lang="en-GB" sz="1800" b="1" i="0" u="none" strike="noStrike" kern="1200" cap="none" spc="0" normalizeH="0" baseline="0" noProof="0" dirty="0">
+                <a:endParaRPr kumimoji="0" lang="en-GB" sz="1800" i="0" u="none" strike="noStrike" kern="1200" cap="none" spc="0" normalizeH="0" baseline="0" noProof="0" dirty="0">
                   <a:ln>
                     <a:noFill/>
                   </a:ln>
@@ -12089,7 +12374,7 @@
             <a:lstStyle/>
             <a:p>
               <a:r>
-                <a:rPr lang="en-GB" b="1" dirty="0" smtClean="0">
+                <a:rPr lang="en-GB" dirty="0" smtClean="0">
                   <a:solidFill>
                     <a:schemeClr val="accent1"/>
                   </a:solidFill>
@@ -12104,7 +12389,7 @@
                 <a:t>Azure Cognitive Services </a:t>
               </a:r>
               <a:r>
-                <a:rPr lang="en-GB" b="1" dirty="0">
+                <a:rPr lang="en-GB" dirty="0">
                   <a:solidFill>
                     <a:schemeClr val="accent1"/>
                   </a:solidFill>
@@ -12119,7 +12404,7 @@
                 <a:t>(</a:t>
               </a:r>
               <a:r>
-                <a:rPr lang="en-GB" b="1" dirty="0" smtClean="0">
+                <a:rPr lang="en-GB" dirty="0" smtClean="0">
                   <a:solidFill>
                     <a:schemeClr val="accent1"/>
                   </a:solidFill>
@@ -12133,7 +12418,7 @@
                 </a:rPr>
                 <a:t>Text Analytics)</a:t>
               </a:r>
-              <a:endParaRPr lang="en-GB" b="1" dirty="0">
+              <a:endParaRPr lang="en-GB" dirty="0">
                 <a:solidFill>
                   <a:schemeClr val="accent1"/>
                 </a:solidFill>
@@ -12210,7 +12495,7 @@
             <a:lstStyle/>
             <a:p>
               <a:r>
-                <a:rPr lang="en-US" b="1" dirty="0" smtClean="0">
+                <a:rPr lang="en-US" dirty="0" smtClean="0">
                   <a:solidFill>
                     <a:schemeClr val="accent1"/>
                   </a:solidFill>
@@ -12224,7 +12509,7 @@
                 </a:rPr>
                 <a:t>Azure SQL Server</a:t>
               </a:r>
-              <a:endParaRPr lang="en-GB" b="1" dirty="0">
+              <a:endParaRPr lang="en-GB" dirty="0">
                 <a:solidFill>
                   <a:schemeClr val="accent1"/>
                 </a:solidFill>
@@ -12795,7 +13080,7 @@
                 <a:defRPr/>
               </a:pPr>
               <a:r>
-                <a:rPr kumimoji="0" lang="en-US" sz="1800" b="1" i="0" u="none" strike="noStrike" kern="1200" cap="none" spc="0" normalizeH="0" baseline="0" noProof="0" dirty="0" smtClean="0">
+                <a:rPr kumimoji="0" lang="en-US" sz="1800" i="0" u="none" strike="noStrike" kern="1200" cap="none" spc="0" normalizeH="0" baseline="0" noProof="0" dirty="0" smtClean="0">
                   <a:ln>
                     <a:noFill/>
                   </a:ln>
@@ -12836,7 +13121,7 @@
                 <a:defRPr/>
               </a:pPr>
               <a:r>
-                <a:rPr kumimoji="0" lang="en-US" sz="1800" b="1" i="0" u="none" strike="noStrike" kern="1200" cap="none" spc="0" normalizeH="0" baseline="0" noProof="0" dirty="0" smtClean="0">
+                <a:rPr kumimoji="0" lang="en-US" sz="1800" i="0" u="none" strike="noStrike" kern="1200" cap="none" spc="0" normalizeH="0" baseline="0" noProof="0" dirty="0" smtClean="0">
                   <a:ln>
                     <a:noFill/>
                   </a:ln>
@@ -12858,7 +13143,7 @@
                 <a:t>(feedback</a:t>
               </a:r>
               <a:r>
-                <a:rPr kumimoji="0" lang="en-US" sz="1800" b="1" i="0" u="none" strike="noStrike" kern="1200" cap="none" spc="0" normalizeH="0" baseline="0" noProof="0" dirty="0" smtClean="0">
+                <a:rPr kumimoji="0" lang="en-US" sz="1800" i="0" u="none" strike="noStrike" kern="1200" cap="none" spc="0" normalizeH="0" baseline="0" noProof="0" dirty="0" smtClean="0">
                   <a:ln>
                     <a:noFill/>
                   </a:ln>
@@ -12880,7 +13165,7 @@
                 <a:t>-in</a:t>
               </a:r>
               <a:r>
-                <a:rPr kumimoji="0" lang="en-US" sz="1800" b="1" i="0" u="none" strike="noStrike" kern="1200" cap="none" spc="0" normalizeH="0" baseline="0" noProof="0" dirty="0" smtClean="0">
+                <a:rPr kumimoji="0" lang="en-US" sz="1800" i="0" u="none" strike="noStrike" kern="1200" cap="none" spc="0" normalizeH="0" baseline="0" noProof="0" dirty="0" smtClean="0">
                   <a:ln>
                     <a:noFill/>
                   </a:ln>
@@ -12901,7 +13186,7 @@
                 </a:rPr>
                 <a:t>)</a:t>
               </a:r>
-              <a:endParaRPr kumimoji="0" lang="en-GB" sz="1800" b="1" i="0" u="none" strike="noStrike" kern="1200" cap="none" spc="0" normalizeH="0" baseline="0" noProof="0" dirty="0">
+              <a:endParaRPr kumimoji="0" lang="en-GB" sz="1800" i="0" u="none" strike="noStrike" kern="1200" cap="none" spc="0" normalizeH="0" baseline="0" noProof="0" dirty="0">
                 <a:ln>
                   <a:noFill/>
                 </a:ln>
@@ -13012,7 +13297,7 @@
                 <a:defRPr/>
               </a:pPr>
               <a:r>
-                <a:rPr lang="en-US" b="1" dirty="0">
+                <a:rPr lang="en-US" dirty="0">
                   <a:solidFill>
                     <a:schemeClr val="accent1"/>
                   </a:solidFill>
@@ -13027,7 +13312,7 @@
                 <a:t>Customer </a:t>
               </a:r>
               <a:r>
-                <a:rPr lang="en-US" b="1" dirty="0" smtClean="0">
+                <a:rPr lang="en-US" dirty="0" smtClean="0">
                   <a:solidFill>
                     <a:schemeClr val="accent1"/>
                   </a:solidFill>
@@ -13042,7 +13327,7 @@
                 <a:t>Feedback</a:t>
               </a:r>
               <a:r>
-                <a:rPr lang="en-US" b="1" dirty="0" smtClean="0">
+                <a:rPr lang="en-US" dirty="0" smtClean="0">
                   <a:solidFill>
                     <a:srgbClr val="0070C0"/>
                   </a:solidFill>
@@ -13056,7 +13341,7 @@
                 </a:rPr>
                 <a:t>.csv</a:t>
               </a:r>
-              <a:endParaRPr kumimoji="0" lang="en-GB" sz="1800" b="1" i="0" u="none" strike="noStrike" kern="1200" cap="none" spc="0" normalizeH="0" baseline="0" noProof="0" dirty="0">
+              <a:endParaRPr kumimoji="0" lang="en-GB" sz="1800" i="0" u="none" strike="noStrike" kern="1200" cap="none" spc="0" normalizeH="0" baseline="0" noProof="0" dirty="0">
                 <a:ln>
                   <a:noFill/>
                 </a:ln>
@@ -13124,6 +13409,30 @@
           <a:xfrm>
             <a:off x="40340" y="0"/>
             <a:ext cx="690283" cy="771302"/>
+          </a:xfrm>
+          <a:prstGeom prst="rect">
+            <a:avLst/>
+          </a:prstGeom>
+        </p:spPr>
+      </p:pic>
+      <p:pic>
+        <p:nvPicPr>
+          <p:cNvPr id="45" name="Picture 44"/>
+          <p:cNvPicPr>
+            <a:picLocks noChangeAspect="1"/>
+          </p:cNvPicPr>
+          <p:nvPr/>
+        </p:nvPicPr>
+        <p:blipFill>
+          <a:blip r:embed="rId12"/>
+          <a:stretch>
+            <a:fillRect/>
+          </a:stretch>
+        </p:blipFill>
+        <p:spPr>
+          <a:xfrm>
+            <a:off x="9043" y="6313915"/>
+            <a:ext cx="1612107" cy="544085"/>
           </a:xfrm>
           <a:prstGeom prst="rect">
             <a:avLst/>
@@ -13605,17 +13914,22 @@
             <p:ph type="title"/>
           </p:nvPr>
         </p:nvSpPr>
-        <p:spPr/>
+        <p:spPr>
+          <a:xfrm>
+            <a:off x="874059" y="41384"/>
+            <a:ext cx="10515600" cy="1325563"/>
+          </a:xfrm>
+        </p:spPr>
         <p:txBody>
           <a:bodyPr>
-            <a:normAutofit/>
+            <a:noAutofit/>
           </a:bodyPr>
           <a:lstStyle/>
           <a:p>
             <a:r>
-              <a:rPr lang="en-US" dirty="0">
+              <a:rPr lang="en-US" sz="4800" dirty="0">
                 <a:solidFill>
-                  <a:schemeClr val="accent1"/>
+                  <a:srgbClr val="002060"/>
                 </a:solidFill>
                 <a:effectLst>
                   <a:outerShdw blurRad="38100" dist="38100" dir="2700000" algn="tl">
@@ -13629,9 +13943,9 @@
               <a:t>How </a:t>
             </a:r>
             <a:r>
-              <a:rPr lang="en-US" dirty="0" smtClean="0">
+              <a:rPr lang="en-US" sz="4800" dirty="0" smtClean="0">
                 <a:solidFill>
-                  <a:schemeClr val="accent1"/>
+                  <a:srgbClr val="002060"/>
                 </a:solidFill>
                 <a:effectLst>
                   <a:outerShdw blurRad="38100" dist="38100" dir="2700000" algn="tl">
@@ -13645,9 +13959,9 @@
               <a:t>Azure Cognitive Service </a:t>
             </a:r>
             <a:r>
-              <a:rPr lang="en-US" dirty="0">
+              <a:rPr lang="en-US" sz="4800" dirty="0">
                 <a:solidFill>
-                  <a:schemeClr val="accent1"/>
+                  <a:srgbClr val="002060"/>
                 </a:solidFill>
                 <a:effectLst>
                   <a:outerShdw blurRad="38100" dist="38100" dir="2700000" algn="tl">
@@ -13660,9 +13974,9 @@
               </a:rPr>
               <a:t>integrate with ADF?</a:t>
             </a:r>
-            <a:endParaRPr lang="en-GB" dirty="0">
+            <a:endParaRPr lang="en-GB" sz="4800" dirty="0">
               <a:solidFill>
-                <a:schemeClr val="accent1"/>
+                <a:srgbClr val="002060"/>
               </a:solidFill>
               <a:effectLst>
                 <a:outerShdw blurRad="38100" dist="38100" dir="2700000" algn="tl">
@@ -14008,18 +14322,22 @@
             <a:graphicFrameLocks noChangeAspect="1"/>
           </p:cNvGraphicFramePr>
           <p:nvPr>
-            <p:extLst/>
+            <p:extLst>
+              <p:ext uri="{D42A27DB-BD31-4B8C-83A1-F6EECF244321}">
+                <p14:modId xmlns:p14="http://schemas.microsoft.com/office/powerpoint/2010/main" val="636934768"/>
+              </p:ext>
+            </p:extLst>
           </p:nvPr>
         </p:nvGraphicFramePr>
         <p:xfrm>
-          <a:off x="4293751" y="4421026"/>
-          <a:ext cx="506413" cy="234068"/>
+          <a:off x="4766577" y="3662082"/>
+          <a:ext cx="620233" cy="345133"/>
         </p:xfrm>
         <a:graphic>
           <a:graphicData uri="http://schemas.openxmlformats.org/presentationml/2006/ole">
             <mc:AlternateContent xmlns:mc="http://schemas.openxmlformats.org/markup-compatibility/2006">
               <mc:Choice xmlns:v="urn:schemas-microsoft-com:vml" Requires="v">
-                <p:oleObj spid="_x0000_s2091" name="Bitmap Image" r:id="rId5" imgW="506880" imgH="221040" progId="Paint.Picture">
+                <p:oleObj spid="_x0000_s2112" name="Bitmap Image" r:id="rId5" imgW="506880" imgH="221040" progId="Paint.Picture">
                   <p:embed/>
                 </p:oleObj>
               </mc:Choice>
@@ -14040,8 +14358,8 @@
                     </p:blipFill>
                     <p:spPr>
                       <a:xfrm>
-                        <a:off x="4293751" y="4421026"/>
-                        <a:ext cx="506413" cy="234068"/>
+                        <a:off x="4766577" y="3662082"/>
+                        <a:ext cx="620233" cy="345133"/>
                       </a:xfrm>
                       <a:prstGeom prst="rect">
                         <a:avLst/>
@@ -14458,6 +14776,131 @@
           </a:prstGeom>
         </p:spPr>
       </p:pic>
+      <p:pic>
+        <p:nvPicPr>
+          <p:cNvPr id="25" name="Picture 24"/>
+          <p:cNvPicPr>
+            <a:picLocks noChangeAspect="1"/>
+          </p:cNvPicPr>
+          <p:nvPr/>
+        </p:nvPicPr>
+        <p:blipFill>
+          <a:blip r:embed="rId8"/>
+          <a:stretch>
+            <a:fillRect/>
+          </a:stretch>
+        </p:blipFill>
+        <p:spPr>
+          <a:xfrm>
+            <a:off x="9043" y="6313915"/>
+            <a:ext cx="1612107" cy="544085"/>
+          </a:xfrm>
+          <a:prstGeom prst="rect">
+            <a:avLst/>
+          </a:prstGeom>
+        </p:spPr>
+      </p:pic>
+      <p:sp>
+        <p:nvSpPr>
+          <p:cNvPr id="4" name="TextBox 3"/>
+          <p:cNvSpPr txBox="1"/>
+          <p:nvPr/>
+        </p:nvSpPr>
+        <p:spPr>
+          <a:xfrm>
+            <a:off x="5349786" y="2090523"/>
+            <a:ext cx="1806388" cy="1200329"/>
+          </a:xfrm>
+          <a:prstGeom prst="rect">
+            <a:avLst/>
+          </a:prstGeom>
+          <a:noFill/>
+        </p:spPr>
+        <p:txBody>
+          <a:bodyPr wrap="square" rtlCol="0">
+            <a:spAutoFit/>
+          </a:bodyPr>
+          <a:lstStyle/>
+          <a:p>
+            <a:r>
+              <a:rPr lang="en-US" dirty="0" smtClean="0">
+                <a:solidFill>
+                  <a:srgbClr val="002060"/>
+                </a:solidFill>
+              </a:rPr>
+              <a:t>1. Endpoint(URL)</a:t>
+            </a:r>
+          </a:p>
+          <a:p>
+            <a:r>
+              <a:rPr lang="en-US" dirty="0" smtClean="0">
+                <a:solidFill>
+                  <a:srgbClr val="002060"/>
+                </a:solidFill>
+              </a:rPr>
+              <a:t>2. Key</a:t>
+            </a:r>
+          </a:p>
+          <a:p>
+            <a:r>
+              <a:rPr lang="en-US" dirty="0" smtClean="0">
+                <a:solidFill>
+                  <a:srgbClr val="002060"/>
+                </a:solidFill>
+              </a:rPr>
+              <a:t>3. Message Body</a:t>
+            </a:r>
+          </a:p>
+          <a:p>
+            <a:r>
+              <a:rPr lang="en-US" dirty="0" smtClean="0">
+                <a:solidFill>
+                  <a:srgbClr val="002060"/>
+                </a:solidFill>
+              </a:rPr>
+              <a:t>4. Headers </a:t>
+            </a:r>
+            <a:endParaRPr lang="en-GB" dirty="0">
+              <a:solidFill>
+                <a:srgbClr val="002060"/>
+              </a:solidFill>
+            </a:endParaRPr>
+          </a:p>
+        </p:txBody>
+      </p:sp>
+      <p:sp>
+        <p:nvSpPr>
+          <p:cNvPr id="27" name="TextBox 26"/>
+          <p:cNvSpPr txBox="1"/>
+          <p:nvPr/>
+        </p:nvSpPr>
+        <p:spPr>
+          <a:xfrm>
+            <a:off x="5373277" y="4711347"/>
+            <a:ext cx="3310120" cy="369332"/>
+          </a:xfrm>
+          <a:prstGeom prst="rect">
+            <a:avLst/>
+          </a:prstGeom>
+          <a:noFill/>
+        </p:spPr>
+        <p:txBody>
+          <a:bodyPr wrap="square" rtlCol="0">
+            <a:spAutoFit/>
+          </a:bodyPr>
+          <a:lstStyle/>
+          <a:p>
+            <a:r>
+              <a:rPr lang="en-US" dirty="0"/>
+              <a:t>P</a:t>
+            </a:r>
+            <a:r>
+              <a:rPr lang="en-US" dirty="0" smtClean="0"/>
+              <a:t>robability score</a:t>
+            </a:r>
+          </a:p>
+        </p:txBody>
+      </p:sp>
     </p:spTree>
     <p:extLst>
       <p:ext uri="{BB962C8B-B14F-4D97-AF65-F5344CB8AC3E}">
@@ -14742,7 +15185,7 @@
                             </p:stCondLst>
                             <p:childTnLst>
                               <p:par>
-                                <p:cTn id="25" presetID="1" presetClass="entr" presetSubtype="0" fill="hold" nodeType="clickEffect">
+                                <p:cTn id="25" presetID="2" presetClass="entr" presetSubtype="4" fill="hold" grpId="0" nodeType="clickEffect">
                                   <p:stCondLst>
                                     <p:cond delay="0"/>
                                   </p:stCondLst>
@@ -14750,6 +15193,124 @@
                                     <p:set>
                                       <p:cBhvr>
                                         <p:cTn id="26" dur="1" fill="hold">
+                                          <p:stCondLst>
+                                            <p:cond delay="0"/>
+                                          </p:stCondLst>
+                                        </p:cTn>
+                                        <p:tgtEl>
+                                          <p:spTgt spid="4"/>
+                                        </p:tgtEl>
+                                        <p:attrNameLst>
+                                          <p:attrName>style.visibility</p:attrName>
+                                        </p:attrNameLst>
+                                      </p:cBhvr>
+                                      <p:to>
+                                        <p:strVal val="visible"/>
+                                      </p:to>
+                                    </p:set>
+                                    <p:anim calcmode="lin" valueType="num">
+                                      <p:cBhvr additive="base">
+                                        <p:cTn id="27" dur="500" fill="hold"/>
+                                        <p:tgtEl>
+                                          <p:spTgt spid="4"/>
+                                        </p:tgtEl>
+                                        <p:attrNameLst>
+                                          <p:attrName>ppt_x</p:attrName>
+                                        </p:attrNameLst>
+                                      </p:cBhvr>
+                                      <p:tavLst>
+                                        <p:tav tm="0">
+                                          <p:val>
+                                            <p:strVal val="#ppt_x"/>
+                                          </p:val>
+                                        </p:tav>
+                                        <p:tav tm="100000">
+                                          <p:val>
+                                            <p:strVal val="#ppt_x"/>
+                                          </p:val>
+                                        </p:tav>
+                                      </p:tavLst>
+                                    </p:anim>
+                                    <p:anim calcmode="lin" valueType="num">
+                                      <p:cBhvr additive="base">
+                                        <p:cTn id="28" dur="500" fill="hold"/>
+                                        <p:tgtEl>
+                                          <p:spTgt spid="4"/>
+                                        </p:tgtEl>
+                                        <p:attrNameLst>
+                                          <p:attrName>ppt_y</p:attrName>
+                                        </p:attrNameLst>
+                                      </p:cBhvr>
+                                      <p:tavLst>
+                                        <p:tav tm="0">
+                                          <p:val>
+                                            <p:strVal val="1+#ppt_h/2"/>
+                                          </p:val>
+                                        </p:tav>
+                                        <p:tav tm="100000">
+                                          <p:val>
+                                            <p:strVal val="#ppt_y"/>
+                                          </p:val>
+                                        </p:tav>
+                                      </p:tavLst>
+                                    </p:anim>
+                                  </p:childTnLst>
+                                </p:cTn>
+                              </p:par>
+                            </p:childTnLst>
+                          </p:cTn>
+                        </p:par>
+                      </p:childTnLst>
+                    </p:cTn>
+                  </p:par>
+                  <p:par>
+                    <p:cTn id="29" fill="hold">
+                      <p:stCondLst>
+                        <p:cond delay="indefinite"/>
+                      </p:stCondLst>
+                      <p:childTnLst>
+                        <p:par>
+                          <p:cTn id="30" fill="hold">
+                            <p:stCondLst>
+                              <p:cond delay="0"/>
+                            </p:stCondLst>
+                            <p:childTnLst>
+                              <p:par>
+                                <p:cTn id="31" presetID="1" presetClass="entr" presetSubtype="0" fill="hold" grpId="0" nodeType="clickEffect">
+                                  <p:stCondLst>
+                                    <p:cond delay="0"/>
+                                  </p:stCondLst>
+                                  <p:childTnLst>
+                                    <p:set>
+                                      <p:cBhvr>
+                                        <p:cTn id="32" dur="1" fill="hold">
+                                          <p:stCondLst>
+                                            <p:cond delay="0"/>
+                                          </p:stCondLst>
+                                        </p:cTn>
+                                        <p:tgtEl>
+                                          <p:spTgt spid="99"/>
+                                        </p:tgtEl>
+                                        <p:attrNameLst>
+                                          <p:attrName>style.visibility</p:attrName>
+                                        </p:attrNameLst>
+                                      </p:cBhvr>
+                                      <p:to>
+                                        <p:strVal val="visible"/>
+                                      </p:to>
+                                    </p:set>
+                                  </p:childTnLst>
+                                </p:cTn>
+                              </p:par>
+                              <p:par>
+                                <p:cTn id="33" presetID="1" presetClass="entr" presetSubtype="0" fill="hold" nodeType="withEffect">
+                                  <p:stCondLst>
+                                    <p:cond delay="0"/>
+                                  </p:stCondLst>
+                                  <p:childTnLst>
+                                    <p:set>
+                                      <p:cBhvr>
+                                        <p:cTn id="34" dur="1" fill="hold">
                                           <p:stCondLst>
                                             <p:cond delay="0"/>
                                           </p:stCondLst>
@@ -14768,21 +15329,39 @@
                                   </p:childTnLst>
                                 </p:cTn>
                               </p:par>
+                            </p:childTnLst>
+                          </p:cTn>
+                        </p:par>
+                      </p:childTnLst>
+                    </p:cTn>
+                  </p:par>
+                  <p:par>
+                    <p:cTn id="35" fill="hold">
+                      <p:stCondLst>
+                        <p:cond delay="indefinite"/>
+                      </p:stCondLst>
+                      <p:childTnLst>
+                        <p:par>
+                          <p:cTn id="36" fill="hold">
+                            <p:stCondLst>
+                              <p:cond delay="0"/>
+                            </p:stCondLst>
+                            <p:childTnLst>
                               <p:par>
-                                <p:cTn id="27" presetID="1" presetClass="entr" presetSubtype="0" fill="hold" grpId="0" nodeType="withEffect">
+                                <p:cTn id="37" presetID="1" presetClass="entr" presetSubtype="0" fill="hold" grpId="0" nodeType="clickEffect">
                                   <p:stCondLst>
                                     <p:cond delay="0"/>
                                   </p:stCondLst>
                                   <p:childTnLst>
                                     <p:set>
                                       <p:cBhvr>
-                                        <p:cTn id="28" dur="1" fill="hold">
+                                        <p:cTn id="38" dur="1" fill="hold">
                                           <p:stCondLst>
                                             <p:cond delay="0"/>
                                           </p:stCondLst>
                                         </p:cTn>
                                         <p:tgtEl>
-                                          <p:spTgt spid="99"/>
+                                          <p:spTgt spid="27"/>
                                         </p:tgtEl>
                                         <p:attrNameLst>
                                           <p:attrName>style.visibility</p:attrName>
@@ -14825,6 +15404,8 @@
     <p:bldLst>
       <p:bldP spid="97" grpId="0" animBg="1"/>
       <p:bldP spid="99" grpId="0" animBg="1"/>
+      <p:bldP spid="4" grpId="0"/>
+      <p:bldP spid="27" grpId="0"/>
     </p:bldLst>
   </p:timing>
 </p:sld>
@@ -14921,7 +15502,7 @@
             <a:r>
               <a:rPr lang="en-US" sz="6000" dirty="0" smtClean="0">
                 <a:solidFill>
-                  <a:schemeClr val="accent1"/>
+                  <a:srgbClr val="002060"/>
                 </a:solidFill>
                 <a:effectLst>
                   <a:outerShdw blurRad="38100" dist="38100" dir="2700000" algn="tl">
@@ -14936,7 +15517,7 @@
             <a:r>
               <a:rPr lang="en-US" sz="6000" dirty="0">
                 <a:solidFill>
-                  <a:schemeClr val="accent1"/>
+                  <a:srgbClr val="002060"/>
                 </a:solidFill>
                 <a:effectLst>
                   <a:outerShdw blurRad="38100" dist="38100" dir="2700000" algn="tl">
@@ -14951,7 +15532,7 @@
             <a:br>
               <a:rPr lang="en-US" sz="6000" dirty="0">
                 <a:solidFill>
-                  <a:schemeClr val="accent1"/>
+                  <a:srgbClr val="002060"/>
                 </a:solidFill>
                 <a:effectLst>
                   <a:outerShdw blurRad="38100" dist="38100" dir="2700000" algn="tl">
@@ -14964,7 +15545,7 @@
             </a:br>
             <a:endParaRPr lang="en-GB" sz="6000" dirty="0">
               <a:solidFill>
-                <a:schemeClr val="accent1"/>
+                <a:srgbClr val="002060"/>
               </a:solidFill>
               <a:effectLst>
                 <a:outerShdw blurRad="38100" dist="38100" dir="2700000" algn="tl">
@@ -15113,6 +15694,30 @@
           </a:prstGeom>
         </p:spPr>
       </p:pic>
+      <p:pic>
+        <p:nvPicPr>
+          <p:cNvPr id="10" name="Picture 9"/>
+          <p:cNvPicPr>
+            <a:picLocks noChangeAspect="1"/>
+          </p:cNvPicPr>
+          <p:nvPr/>
+        </p:nvPicPr>
+        <p:blipFill>
+          <a:blip r:embed="rId4"/>
+          <a:stretch>
+            <a:fillRect/>
+          </a:stretch>
+        </p:blipFill>
+        <p:spPr>
+          <a:xfrm>
+            <a:off x="9043" y="6313915"/>
+            <a:ext cx="1612107" cy="544085"/>
+          </a:xfrm>
+          <a:prstGeom prst="rect">
+            <a:avLst/>
+          </a:prstGeom>
+        </p:spPr>
+      </p:pic>
     </p:spTree>
     <p:extLst>
       <p:ext uri="{BB962C8B-B14F-4D97-AF65-F5344CB8AC3E}">
@@ -15168,7 +15773,7 @@
             <a:r>
               <a:rPr lang="en-US" dirty="0" smtClean="0">
                 <a:solidFill>
-                  <a:schemeClr val="accent1"/>
+                  <a:srgbClr val="002060"/>
                 </a:solidFill>
                 <a:effectLst>
                   <a:outerShdw blurRad="38100" dist="38100" dir="2700000" algn="tl">
@@ -15183,7 +15788,7 @@
             </a:r>
             <a:endParaRPr lang="en-GB" dirty="0">
               <a:solidFill>
-                <a:schemeClr val="accent1"/>
+                <a:srgbClr val="002060"/>
               </a:solidFill>
               <a:effectLst>
                 <a:outerShdw blurRad="38100" dist="38100" dir="2700000" algn="tl">
@@ -15492,16 +16097,23 @@
             <p:ph type="title"/>
           </p:nvPr>
         </p:nvSpPr>
-        <p:spPr/>
+        <p:spPr>
+          <a:xfrm>
+            <a:off x="906877" y="42047"/>
+            <a:ext cx="10515600" cy="1325563"/>
+          </a:xfrm>
+        </p:spPr>
         <p:txBody>
-          <a:bodyPr/>
+          <a:bodyPr>
+            <a:normAutofit/>
+          </a:bodyPr>
           <a:lstStyle/>
           <a:p>
             <a:pPr algn="ctr"/>
             <a:r>
-              <a:rPr lang="en-US" dirty="0">
+              <a:rPr lang="en-US" sz="4800" dirty="0">
                 <a:solidFill>
-                  <a:schemeClr val="accent1"/>
+                  <a:srgbClr val="002060"/>
                 </a:solidFill>
                 <a:effectLst>
                   <a:outerShdw blurRad="38100" dist="38100" dir="2700000" algn="tl">
@@ -15514,9 +16126,9 @@
               </a:rPr>
               <a:t>Azure Resources </a:t>
             </a:r>
-            <a:endParaRPr lang="en-GB" dirty="0">
+            <a:endParaRPr lang="en-GB" sz="4800" dirty="0">
               <a:solidFill>
-                <a:schemeClr val="accent1"/>
+                <a:srgbClr val="002060"/>
               </a:solidFill>
               <a:effectLst>
                 <a:outerShdw blurRad="38100" dist="38100" dir="2700000" algn="tl">
@@ -15880,6 +16492,30 @@
           </a:prstGeom>
         </p:spPr>
       </p:pic>
+      <p:pic>
+        <p:nvPicPr>
+          <p:cNvPr id="18" name="Picture 17"/>
+          <p:cNvPicPr>
+            <a:picLocks noChangeAspect="1"/>
+          </p:cNvPicPr>
+          <p:nvPr/>
+        </p:nvPicPr>
+        <p:blipFill>
+          <a:blip r:embed="rId10"/>
+          <a:stretch>
+            <a:fillRect/>
+          </a:stretch>
+        </p:blipFill>
+        <p:spPr>
+          <a:xfrm>
+            <a:off x="9043" y="6313915"/>
+            <a:ext cx="1612107" cy="544085"/>
+          </a:xfrm>
+          <a:prstGeom prst="rect">
+            <a:avLst/>
+          </a:prstGeom>
+        </p:spPr>
+      </p:pic>
     </p:spTree>
     <p:extLst>
       <p:ext uri="{BB962C8B-B14F-4D97-AF65-F5344CB8AC3E}">
@@ -15929,19 +16565,21 @@
         </p:nvSpPr>
         <p:spPr>
           <a:xfrm>
-            <a:off x="1229033" y="-73721"/>
-            <a:ext cx="10515600" cy="1325563"/>
+            <a:off x="1229033" y="0"/>
+            <a:ext cx="10515600" cy="1251842"/>
           </a:xfrm>
         </p:spPr>
         <p:txBody>
-          <a:bodyPr/>
+          <a:bodyPr>
+            <a:normAutofit/>
+          </a:bodyPr>
           <a:lstStyle/>
           <a:p>
             <a:pPr algn="ctr"/>
             <a:r>
-              <a:rPr lang="en-US" dirty="0">
+              <a:rPr lang="en-US" sz="4800" dirty="0">
                 <a:solidFill>
-                  <a:schemeClr val="accent1"/>
+                  <a:srgbClr val="002060"/>
                 </a:solidFill>
                 <a:effectLst>
                   <a:outerShdw blurRad="38100" dist="38100" dir="2700000" algn="tl">
@@ -15950,13 +16588,14 @@
                     </a:srgbClr>
                   </a:outerShdw>
                 </a:effectLst>
+                <a:latin typeface="+mn-lt"/>
               </a:rPr>
               <a:t>Key</a:t>
             </a:r>
             <a:r>
-              <a:rPr lang="en-US" i="1" dirty="0">
+              <a:rPr lang="en-US" sz="4800" i="1" dirty="0">
                 <a:solidFill>
-                  <a:schemeClr val="accent1"/>
+                  <a:srgbClr val="002060"/>
                 </a:solidFill>
                 <a:effectLst>
                   <a:outerShdw blurRad="38100" dist="38100" dir="2700000" algn="tl">
@@ -15965,10 +16604,16 @@
                     </a:srgbClr>
                   </a:outerShdw>
                 </a:effectLst>
+                <a:latin typeface="+mn-lt"/>
               </a:rPr>
               <a:t> Takeaway</a:t>
             </a:r>
-            <a:endParaRPr lang="en-GB" dirty="0"/>
+            <a:endParaRPr lang="en-GB" sz="4800" dirty="0">
+              <a:solidFill>
+                <a:srgbClr val="002060"/>
+              </a:solidFill>
+              <a:latin typeface="+mn-lt"/>
+            </a:endParaRPr>
           </a:p>
         </p:txBody>
       </p:sp>
@@ -16048,15 +16693,7 @@
                 <a:buFont typeface="Wingdings" panose="05000000000000000000" pitchFamily="2" charset="2"/>
                 <a:buChar char="ü"/>
               </a:pPr>
-              <a:endParaRPr lang="en-US" sz="2000" b="1" dirty="0" smtClean="0">
-                <a:effectLst>
-                  <a:outerShdw blurRad="38100" dist="38100" dir="2700000" algn="tl">
-                    <a:srgbClr val="000000">
-                      <a:alpha val="43137"/>
-                    </a:srgbClr>
-                  </a:outerShdw>
-                </a:effectLst>
-              </a:endParaRPr>
+              <a:endParaRPr lang="en-US" sz="2000" b="1" dirty="0" smtClean="0"/>
             </a:p>
             <a:p>
               <a:pPr marL="342900" indent="-342900">
@@ -16064,7 +16701,7 @@
                 <a:buChar char="ü"/>
               </a:pPr>
               <a:r>
-                <a:rPr lang="en-US" sz="2000" b="1" dirty="0" smtClean="0">
+                <a:rPr lang="en-US" sz="2200" dirty="0" smtClean="0">
                   <a:effectLst>
                     <a:outerShdw blurRad="38100" dist="38100" dir="2700000" algn="tl">
                       <a:srgbClr val="000000">
@@ -16076,7 +16713,7 @@
                 <a:t>It </a:t>
               </a:r>
               <a:r>
-                <a:rPr lang="en-US" sz="2000" b="1" dirty="0">
+                <a:rPr lang="en-US" sz="2200" dirty="0">
                   <a:effectLst>
                     <a:outerShdw blurRad="38100" dist="38100" dir="2700000" algn="tl">
                       <a:srgbClr val="000000">
@@ -16094,7 +16731,7 @@
                 <a:buChar char="ü"/>
               </a:pPr>
               <a:r>
-                <a:rPr lang="en-US" sz="2000" b="1" dirty="0" smtClean="0">
+                <a:rPr lang="en-US" sz="2200" dirty="0" smtClean="0">
                   <a:effectLst>
                     <a:outerShdw blurRad="38100" dist="38100" dir="2700000" algn="tl">
                       <a:srgbClr val="000000">
@@ -16106,7 +16743,7 @@
                 <a:t>A </a:t>
               </a:r>
               <a:r>
-                <a:rPr lang="en-US" sz="2000" b="1" dirty="0">
+                <a:rPr lang="en-US" sz="2200" dirty="0">
                   <a:effectLst>
                     <a:outerShdw blurRad="38100" dist="38100" dir="2700000" algn="tl">
                       <a:srgbClr val="000000">
@@ -16118,7 +16755,7 @@
                 <a:t>wide range of </a:t>
               </a:r>
               <a:r>
-                <a:rPr lang="en-US" sz="2000" b="1" dirty="0" smtClean="0">
+                <a:rPr lang="en-US" sz="2200" dirty="0" smtClean="0">
                   <a:effectLst>
                     <a:outerShdw blurRad="38100" dist="38100" dir="2700000" algn="tl">
                       <a:srgbClr val="000000">
@@ -16136,7 +16773,7 @@
                 <a:buChar char="ü"/>
               </a:pPr>
               <a:r>
-                <a:rPr lang="en-US" sz="2000" b="1" dirty="0">
+                <a:rPr lang="en-US" sz="2200" dirty="0">
                   <a:effectLst>
                     <a:outerShdw blurRad="38100" dist="38100" dir="2700000" algn="tl">
                       <a:srgbClr val="000000">
@@ -16148,7 +16785,7 @@
                 <a:t>Understand common topics and </a:t>
               </a:r>
               <a:r>
-                <a:rPr lang="en-US" sz="2000" b="1" dirty="0" smtClean="0">
+                <a:rPr lang="en-US" sz="2200" dirty="0" smtClean="0">
                   <a:effectLst>
                     <a:outerShdw blurRad="38100" dist="38100" dir="2700000" algn="tl">
                       <a:srgbClr val="000000">
@@ -16159,7 +16796,7 @@
                 </a:rPr>
                 <a:t>trends</a:t>
               </a:r>
-              <a:endParaRPr lang="en-US" sz="2000" b="1" dirty="0">
+              <a:endParaRPr lang="en-US" sz="2200" dirty="0">
                 <a:effectLst>
                   <a:outerShdw blurRad="38100" dist="38100" dir="2700000" algn="tl">
                     <a:srgbClr val="000000">
@@ -16175,7 +16812,7 @@
                 <a:buChar char="ü"/>
               </a:pPr>
               <a:r>
-                <a:rPr lang="en-US" sz="2000" b="1" dirty="0">
+                <a:rPr lang="en-US" sz="2200" dirty="0">
                   <a:effectLst>
                     <a:outerShdw blurRad="38100" dist="38100" dir="2700000" algn="tl">
                       <a:srgbClr val="000000">
@@ -16320,7 +16957,7 @@
                   <a:buChar char="ü"/>
                 </a:pPr>
                 <a:r>
-                  <a:rPr lang="en-US" sz="2000" b="1" dirty="0" smtClean="0">
+                  <a:rPr lang="en-US" sz="2200" dirty="0" smtClean="0">
                     <a:solidFill>
                       <a:schemeClr val="bg1"/>
                     </a:solidFill>
@@ -16342,7 +16979,7 @@
                   <a:buChar char="ü"/>
                 </a:pPr>
                 <a:r>
-                  <a:rPr lang="en-US" sz="2000" b="1" dirty="0" smtClean="0">
+                  <a:rPr lang="en-US" sz="2200" dirty="0" smtClean="0">
                     <a:solidFill>
                       <a:schemeClr val="bg1"/>
                     </a:solidFill>
@@ -16364,7 +17001,7 @@
                   <a:buChar char="ü"/>
                 </a:pPr>
                 <a:r>
-                  <a:rPr lang="en-US" sz="2000" b="1" dirty="0">
+                  <a:rPr lang="en-US" sz="2200" dirty="0">
                     <a:solidFill>
                       <a:schemeClr val="bg1"/>
                     </a:solidFill>
@@ -16380,7 +17017,7 @@
                   <a:t>Apply transformation and store data to Azure SQL </a:t>
                 </a:r>
                 <a:r>
-                  <a:rPr lang="en-US" sz="2000" b="1" dirty="0" smtClean="0">
+                  <a:rPr lang="en-US" sz="2200" dirty="0" smtClean="0">
                     <a:solidFill>
                       <a:schemeClr val="bg1"/>
                     </a:solidFill>
@@ -16623,6 +17260,13 @@
                   <a:solidFill>
                     <a:schemeClr val="accent1"/>
                   </a:solidFill>
+                  <a:effectLst>
+                    <a:outerShdw blurRad="38100" dist="38100" dir="2700000" algn="tl">
+                      <a:srgbClr val="000000">
+                        <a:alpha val="43137"/>
+                      </a:srgbClr>
+                    </a:outerShdw>
+                  </a:effectLst>
                 </a:rPr>
                 <a:t>Azure Data Factory</a:t>
               </a:r>
@@ -16630,6 +17274,13 @@
                 <a:solidFill>
                   <a:schemeClr val="accent1"/>
                 </a:solidFill>
+                <a:effectLst>
+                  <a:outerShdw blurRad="38100" dist="38100" dir="2700000" algn="tl">
+                    <a:srgbClr val="000000">
+                      <a:alpha val="43137"/>
+                    </a:srgbClr>
+                  </a:outerShdw>
+                </a:effectLst>
               </a:endParaRPr>
             </a:p>
           </p:txBody>
@@ -16674,7 +17325,7 @@
                 <a:buChar char="ü"/>
               </a:pPr>
               <a:r>
-                <a:rPr lang="en-US" sz="2000" b="1" dirty="0">
+                <a:rPr lang="en-US" sz="2200" dirty="0">
                   <a:solidFill>
                     <a:schemeClr val="bg1"/>
                   </a:solidFill>
@@ -16696,7 +17347,7 @@
                 <a:buChar char="ü"/>
               </a:pPr>
               <a:r>
-                <a:rPr lang="en-US" sz="2000" b="1" dirty="0">
+                <a:rPr lang="en-US" sz="2200" dirty="0">
                   <a:solidFill>
                     <a:schemeClr val="bg1"/>
                   </a:solidFill>
@@ -16718,7 +17369,7 @@
                 <a:buChar char="ü"/>
               </a:pPr>
               <a:r>
-                <a:rPr lang="en-US" sz="2000" b="1" dirty="0">
+                <a:rPr lang="en-US" sz="2200" dirty="0">
                   <a:solidFill>
                     <a:schemeClr val="bg1"/>
                   </a:solidFill>
@@ -16740,7 +17391,7 @@
                 <a:buChar char="ü"/>
               </a:pPr>
               <a:r>
-                <a:rPr lang="en-US" sz="2000" b="1" dirty="0">
+                <a:rPr lang="en-US" sz="2200" dirty="0">
                   <a:solidFill>
                     <a:schemeClr val="bg1"/>
                   </a:solidFill>
@@ -16762,7 +17413,7 @@
                 <a:buChar char="ü"/>
               </a:pPr>
               <a:r>
-                <a:rPr lang="en-US" sz="2000" b="1" dirty="0" err="1" smtClean="0">
+                <a:rPr lang="en-US" sz="2200" dirty="0" smtClean="0">
                   <a:solidFill>
                     <a:schemeClr val="bg1"/>
                   </a:solidFill>
@@ -16775,26 +17426,10 @@
                   </a:effectLst>
                   <a:cs typeface="Segoe UI" panose="020B0502040204020203" pitchFamily="34" charset="0"/>
                 </a:rPr>
-                <a:t>Serverless</a:t>
+                <a:t>Serverless </a:t>
               </a:r>
               <a:r>
-                <a:rPr lang="en-US" sz="2000" b="1" dirty="0" smtClean="0">
-                  <a:solidFill>
-                    <a:schemeClr val="bg1"/>
-                  </a:solidFill>
-                  <a:effectLst>
-                    <a:outerShdw blurRad="38100" dist="38100" dir="2700000" algn="tl">
-                      <a:srgbClr val="000000">
-                        <a:alpha val="43137"/>
-                      </a:srgbClr>
-                    </a:outerShdw>
-                  </a:effectLst>
-                  <a:cs typeface="Segoe UI" panose="020B0502040204020203" pitchFamily="34" charset="0"/>
-                </a:rPr>
-                <a:t> </a:t>
-              </a:r>
-              <a:r>
-                <a:rPr lang="en-US" sz="2000" b="1" dirty="0">
+                <a:rPr lang="en-US" sz="2200" dirty="0">
                   <a:solidFill>
                     <a:schemeClr val="bg1"/>
                   </a:solidFill>
@@ -16816,7 +17451,7 @@
                 <a:buChar char="ü"/>
               </a:pPr>
               <a:r>
-                <a:rPr lang="en-US" sz="2000" b="1" dirty="0">
+                <a:rPr lang="en-US" sz="2200" dirty="0">
                   <a:solidFill>
                     <a:schemeClr val="bg1"/>
                   </a:solidFill>
@@ -16852,6 +17487,30 @@
           </p:txBody>
         </p:sp>
       </p:grpSp>
+      <p:pic>
+        <p:nvPicPr>
+          <p:cNvPr id="22" name="Picture 21"/>
+          <p:cNvPicPr>
+            <a:picLocks noChangeAspect="1"/>
+          </p:cNvPicPr>
+          <p:nvPr/>
+        </p:nvPicPr>
+        <p:blipFill>
+          <a:blip r:embed="rId8"/>
+          <a:stretch>
+            <a:fillRect/>
+          </a:stretch>
+        </p:blipFill>
+        <p:spPr>
+          <a:xfrm>
+            <a:off x="9043" y="6313915"/>
+            <a:ext cx="1612107" cy="544085"/>
+          </a:xfrm>
+          <a:prstGeom prst="rect">
+            <a:avLst/>
+          </a:prstGeom>
+        </p:spPr>
+      </p:pic>
     </p:spTree>
     <p:extLst>
       <p:ext uri="{BB962C8B-B14F-4D97-AF65-F5344CB8AC3E}">
@@ -17358,7 +18017,7 @@
             <a:r>
               <a:rPr lang="en-US" sz="4800" dirty="0">
                 <a:solidFill>
-                  <a:schemeClr val="accent1"/>
+                  <a:srgbClr val="002060"/>
                 </a:solidFill>
                 <a:effectLst>
                   <a:outerShdw blurRad="38100" dist="38100" dir="2700000" algn="tl">
@@ -17740,18 +18399,6 @@
               </a:rPr>
               <a:t>alpaBuddhabhatti/CloudBrew2022</a:t>
             </a:r>
-            <a:endParaRPr lang="en-GB" sz="2800" dirty="0">
-              <a:solidFill>
-                <a:schemeClr val="accent1"/>
-              </a:solidFill>
-              <a:effectLst>
-                <a:outerShdw blurRad="38100" dist="38100" dir="2700000" algn="tl">
-                  <a:srgbClr val="000000">
-                    <a:alpha val="43137"/>
-                  </a:srgbClr>
-                </a:outerShdw>
-              </a:effectLst>
-            </a:endParaRPr>
           </a:p>
         </p:txBody>
       </p:sp>
@@ -17797,6 +18444,231 @@
           <a:xfrm>
             <a:off x="11593759" y="0"/>
             <a:ext cx="551345" cy="657225"/>
+          </a:xfrm>
+          <a:prstGeom prst="rect">
+            <a:avLst/>
+          </a:prstGeom>
+        </p:spPr>
+      </p:pic>
+      <p:sp>
+        <p:nvSpPr>
+          <p:cNvPr id="22" name="Rectangle 21"/>
+          <p:cNvSpPr/>
+          <p:nvPr/>
+        </p:nvSpPr>
+        <p:spPr>
+          <a:xfrm>
+            <a:off x="5646981" y="3644498"/>
+            <a:ext cx="5068888" cy="523220"/>
+          </a:xfrm>
+          <a:prstGeom prst="rect">
+            <a:avLst/>
+          </a:prstGeom>
+        </p:spPr>
+        <p:txBody>
+          <a:bodyPr wrap="none">
+            <a:spAutoFit/>
+          </a:bodyPr>
+          <a:lstStyle/>
+          <a:p>
+            <a:r>
+              <a:rPr lang="en-GB" sz="2800" dirty="0">
+                <a:solidFill>
+                  <a:schemeClr val="accent1"/>
+                </a:solidFill>
+                <a:effectLst>
+                  <a:outerShdw blurRad="38100" dist="38100" dir="2700000" algn="tl">
+                    <a:srgbClr val="000000">
+                      <a:alpha val="43137"/>
+                    </a:srgbClr>
+                  </a:outerShdw>
+                </a:effectLst>
+              </a:rPr>
+              <a:t>https://medium.com/@meetalpa</a:t>
+            </a:r>
+          </a:p>
+        </p:txBody>
+      </p:sp>
+      <p:grpSp>
+        <p:nvGrpSpPr>
+          <p:cNvPr id="23" name="Group 22"/>
+          <p:cNvGrpSpPr/>
+          <p:nvPr/>
+        </p:nvGrpSpPr>
+        <p:grpSpPr>
+          <a:xfrm>
+            <a:off x="5045615" y="3760571"/>
+            <a:ext cx="467672" cy="367554"/>
+            <a:chOff x="5419165" y="4061012"/>
+            <a:chExt cx="467672" cy="367554"/>
+          </a:xfrm>
+        </p:grpSpPr>
+        <p:sp>
+          <p:nvSpPr>
+            <p:cNvPr id="24" name="Oval 23"/>
+            <p:cNvSpPr/>
+            <p:nvPr/>
+          </p:nvSpPr>
+          <p:spPr>
+            <a:xfrm>
+              <a:off x="5419165" y="4061012"/>
+              <a:ext cx="243905" cy="331694"/>
+            </a:xfrm>
+            <a:prstGeom prst="ellipse">
+              <a:avLst/>
+            </a:prstGeom>
+            <a:solidFill>
+              <a:srgbClr val="D57991"/>
+            </a:solidFill>
+          </p:spPr>
+          <p:style>
+            <a:lnRef idx="2">
+              <a:schemeClr val="accent1">
+                <a:shade val="50000"/>
+              </a:schemeClr>
+            </a:lnRef>
+            <a:fillRef idx="1">
+              <a:schemeClr val="accent1"/>
+            </a:fillRef>
+            <a:effectRef idx="0">
+              <a:schemeClr val="accent1"/>
+            </a:effectRef>
+            <a:fontRef idx="minor">
+              <a:schemeClr val="lt1"/>
+            </a:fontRef>
+          </p:style>
+          <p:txBody>
+            <a:bodyPr rtlCol="0" anchor="ctr"/>
+            <a:lstStyle/>
+            <a:p>
+              <a:pPr algn="ctr"/>
+              <a:endParaRPr lang="en-GB">
+                <a:ln>
+                  <a:solidFill>
+                    <a:srgbClr val="FF66CC"/>
+                  </a:solidFill>
+                </a:ln>
+              </a:endParaRPr>
+            </a:p>
+          </p:txBody>
+        </p:sp>
+        <p:sp>
+          <p:nvSpPr>
+            <p:cNvPr id="25" name="Oval 24"/>
+            <p:cNvSpPr/>
+            <p:nvPr/>
+          </p:nvSpPr>
+          <p:spPr>
+            <a:xfrm>
+              <a:off x="5691100" y="4061012"/>
+              <a:ext cx="122512" cy="345142"/>
+            </a:xfrm>
+            <a:prstGeom prst="ellipse">
+              <a:avLst/>
+            </a:prstGeom>
+            <a:solidFill>
+              <a:srgbClr val="D57991"/>
+            </a:solidFill>
+          </p:spPr>
+          <p:style>
+            <a:lnRef idx="2">
+              <a:schemeClr val="accent1">
+                <a:shade val="50000"/>
+              </a:schemeClr>
+            </a:lnRef>
+            <a:fillRef idx="1">
+              <a:schemeClr val="accent1"/>
+            </a:fillRef>
+            <a:effectRef idx="0">
+              <a:schemeClr val="accent1"/>
+            </a:effectRef>
+            <a:fontRef idx="minor">
+              <a:schemeClr val="lt1"/>
+            </a:fontRef>
+          </p:style>
+          <p:txBody>
+            <a:bodyPr rtlCol="0" anchor="ctr"/>
+            <a:lstStyle/>
+            <a:p>
+              <a:pPr algn="ctr"/>
+              <a:endParaRPr lang="en-GB">
+                <a:ln>
+                  <a:solidFill>
+                    <a:srgbClr val="FF66CC"/>
+                  </a:solidFill>
+                </a:ln>
+              </a:endParaRPr>
+            </a:p>
+          </p:txBody>
+        </p:sp>
+        <p:sp>
+          <p:nvSpPr>
+            <p:cNvPr id="27" name="Oval 26"/>
+            <p:cNvSpPr/>
+            <p:nvPr/>
+          </p:nvSpPr>
+          <p:spPr>
+            <a:xfrm flipV="1">
+              <a:off x="5841118" y="4061012"/>
+              <a:ext cx="45719" cy="367554"/>
+            </a:xfrm>
+            <a:prstGeom prst="ellipse">
+              <a:avLst/>
+            </a:prstGeom>
+            <a:solidFill>
+              <a:srgbClr val="D57991"/>
+            </a:solidFill>
+          </p:spPr>
+          <p:style>
+            <a:lnRef idx="2">
+              <a:schemeClr val="accent1">
+                <a:shade val="50000"/>
+              </a:schemeClr>
+            </a:lnRef>
+            <a:fillRef idx="1">
+              <a:schemeClr val="accent1"/>
+            </a:fillRef>
+            <a:effectRef idx="0">
+              <a:schemeClr val="accent1"/>
+            </a:effectRef>
+            <a:fontRef idx="minor">
+              <a:schemeClr val="lt1"/>
+            </a:fontRef>
+          </p:style>
+          <p:txBody>
+            <a:bodyPr rtlCol="0" anchor="ctr"/>
+            <a:lstStyle/>
+            <a:p>
+              <a:pPr algn="ctr"/>
+              <a:endParaRPr lang="en-GB">
+                <a:ln>
+                  <a:solidFill>
+                    <a:srgbClr val="FF66CC"/>
+                  </a:solidFill>
+                </a:ln>
+              </a:endParaRPr>
+            </a:p>
+          </p:txBody>
+        </p:sp>
+      </p:grpSp>
+      <p:pic>
+        <p:nvPicPr>
+          <p:cNvPr id="28" name="Picture 27"/>
+          <p:cNvPicPr>
+            <a:picLocks noChangeAspect="1"/>
+          </p:cNvPicPr>
+          <p:nvPr/>
+        </p:nvPicPr>
+        <p:blipFill>
+          <a:blip r:embed="rId18"/>
+          <a:stretch>
+            <a:fillRect/>
+          </a:stretch>
+        </p:blipFill>
+        <p:spPr>
+          <a:xfrm>
+            <a:off x="9043" y="6313915"/>
+            <a:ext cx="1612107" cy="544085"/>
           </a:xfrm>
           <a:prstGeom prst="rect">
             <a:avLst/>
@@ -18151,7 +19023,7 @@
             <a:r>
               <a:rPr lang="en-US" sz="4800" dirty="0" smtClean="0">
                 <a:solidFill>
-                  <a:schemeClr val="accent1"/>
+                  <a:srgbClr val="002060"/>
                 </a:solidFill>
                 <a:effectLst>
                   <a:outerShdw blurRad="38100" dist="38100" dir="2700000" algn="tl">
@@ -18533,18 +19405,6 @@
               </a:rPr>
               <a:t>alpaBuddhabhatti/CloudBrew2022</a:t>
             </a:r>
-            <a:endParaRPr lang="en-GB" sz="2800" dirty="0">
-              <a:solidFill>
-                <a:schemeClr val="accent1"/>
-              </a:solidFill>
-              <a:effectLst>
-                <a:outerShdw blurRad="38100" dist="38100" dir="2700000" algn="tl">
-                  <a:srgbClr val="000000">
-                    <a:alpha val="43137"/>
-                  </a:srgbClr>
-                </a:outerShdw>
-              </a:effectLst>
-            </a:endParaRPr>
           </a:p>
         </p:txBody>
       </p:sp>
@@ -18590,6 +19450,231 @@
           <a:xfrm>
             <a:off x="11593759" y="0"/>
             <a:ext cx="551345" cy="657225"/>
+          </a:xfrm>
+          <a:prstGeom prst="rect">
+            <a:avLst/>
+          </a:prstGeom>
+        </p:spPr>
+      </p:pic>
+      <p:sp>
+        <p:nvSpPr>
+          <p:cNvPr id="22" name="Rectangle 21"/>
+          <p:cNvSpPr/>
+          <p:nvPr/>
+        </p:nvSpPr>
+        <p:spPr>
+          <a:xfrm>
+            <a:off x="5581443" y="3616592"/>
+            <a:ext cx="5068888" cy="523220"/>
+          </a:xfrm>
+          <a:prstGeom prst="rect">
+            <a:avLst/>
+          </a:prstGeom>
+        </p:spPr>
+        <p:txBody>
+          <a:bodyPr wrap="none">
+            <a:spAutoFit/>
+          </a:bodyPr>
+          <a:lstStyle/>
+          <a:p>
+            <a:r>
+              <a:rPr lang="en-GB" sz="2800" dirty="0">
+                <a:solidFill>
+                  <a:schemeClr val="accent1"/>
+                </a:solidFill>
+                <a:effectLst>
+                  <a:outerShdw blurRad="38100" dist="38100" dir="2700000" algn="tl">
+                    <a:srgbClr val="000000">
+                      <a:alpha val="43137"/>
+                    </a:srgbClr>
+                  </a:outerShdw>
+                </a:effectLst>
+              </a:rPr>
+              <a:t>https://medium.com/@meetalpa</a:t>
+            </a:r>
+          </a:p>
+        </p:txBody>
+      </p:sp>
+      <p:grpSp>
+        <p:nvGrpSpPr>
+          <p:cNvPr id="23" name="Group 22"/>
+          <p:cNvGrpSpPr/>
+          <p:nvPr/>
+        </p:nvGrpSpPr>
+        <p:grpSpPr>
+          <a:xfrm>
+            <a:off x="4980077" y="3732665"/>
+            <a:ext cx="467672" cy="367554"/>
+            <a:chOff x="5419165" y="4061012"/>
+            <a:chExt cx="467672" cy="367554"/>
+          </a:xfrm>
+        </p:grpSpPr>
+        <p:sp>
+          <p:nvSpPr>
+            <p:cNvPr id="24" name="Oval 23"/>
+            <p:cNvSpPr/>
+            <p:nvPr/>
+          </p:nvSpPr>
+          <p:spPr>
+            <a:xfrm>
+              <a:off x="5419165" y="4061012"/>
+              <a:ext cx="243905" cy="331694"/>
+            </a:xfrm>
+            <a:prstGeom prst="ellipse">
+              <a:avLst/>
+            </a:prstGeom>
+            <a:solidFill>
+              <a:srgbClr val="D57991"/>
+            </a:solidFill>
+          </p:spPr>
+          <p:style>
+            <a:lnRef idx="2">
+              <a:schemeClr val="accent1">
+                <a:shade val="50000"/>
+              </a:schemeClr>
+            </a:lnRef>
+            <a:fillRef idx="1">
+              <a:schemeClr val="accent1"/>
+            </a:fillRef>
+            <a:effectRef idx="0">
+              <a:schemeClr val="accent1"/>
+            </a:effectRef>
+            <a:fontRef idx="minor">
+              <a:schemeClr val="lt1"/>
+            </a:fontRef>
+          </p:style>
+          <p:txBody>
+            <a:bodyPr rtlCol="0" anchor="ctr"/>
+            <a:lstStyle/>
+            <a:p>
+              <a:pPr algn="ctr"/>
+              <a:endParaRPr lang="en-GB">
+                <a:ln>
+                  <a:solidFill>
+                    <a:srgbClr val="FF66CC"/>
+                  </a:solidFill>
+                </a:ln>
+              </a:endParaRPr>
+            </a:p>
+          </p:txBody>
+        </p:sp>
+        <p:sp>
+          <p:nvSpPr>
+            <p:cNvPr id="25" name="Oval 24"/>
+            <p:cNvSpPr/>
+            <p:nvPr/>
+          </p:nvSpPr>
+          <p:spPr>
+            <a:xfrm>
+              <a:off x="5691100" y="4061012"/>
+              <a:ext cx="122512" cy="345142"/>
+            </a:xfrm>
+            <a:prstGeom prst="ellipse">
+              <a:avLst/>
+            </a:prstGeom>
+            <a:solidFill>
+              <a:srgbClr val="D57991"/>
+            </a:solidFill>
+          </p:spPr>
+          <p:style>
+            <a:lnRef idx="2">
+              <a:schemeClr val="accent1">
+                <a:shade val="50000"/>
+              </a:schemeClr>
+            </a:lnRef>
+            <a:fillRef idx="1">
+              <a:schemeClr val="accent1"/>
+            </a:fillRef>
+            <a:effectRef idx="0">
+              <a:schemeClr val="accent1"/>
+            </a:effectRef>
+            <a:fontRef idx="minor">
+              <a:schemeClr val="lt1"/>
+            </a:fontRef>
+          </p:style>
+          <p:txBody>
+            <a:bodyPr rtlCol="0" anchor="ctr"/>
+            <a:lstStyle/>
+            <a:p>
+              <a:pPr algn="ctr"/>
+              <a:endParaRPr lang="en-GB">
+                <a:ln>
+                  <a:solidFill>
+                    <a:srgbClr val="FF66CC"/>
+                  </a:solidFill>
+                </a:ln>
+              </a:endParaRPr>
+            </a:p>
+          </p:txBody>
+        </p:sp>
+        <p:sp>
+          <p:nvSpPr>
+            <p:cNvPr id="27" name="Oval 26"/>
+            <p:cNvSpPr/>
+            <p:nvPr/>
+          </p:nvSpPr>
+          <p:spPr>
+            <a:xfrm flipV="1">
+              <a:off x="5841118" y="4061012"/>
+              <a:ext cx="45719" cy="367554"/>
+            </a:xfrm>
+            <a:prstGeom prst="ellipse">
+              <a:avLst/>
+            </a:prstGeom>
+            <a:solidFill>
+              <a:srgbClr val="D57991"/>
+            </a:solidFill>
+          </p:spPr>
+          <p:style>
+            <a:lnRef idx="2">
+              <a:schemeClr val="accent1">
+                <a:shade val="50000"/>
+              </a:schemeClr>
+            </a:lnRef>
+            <a:fillRef idx="1">
+              <a:schemeClr val="accent1"/>
+            </a:fillRef>
+            <a:effectRef idx="0">
+              <a:schemeClr val="accent1"/>
+            </a:effectRef>
+            <a:fontRef idx="minor">
+              <a:schemeClr val="lt1"/>
+            </a:fontRef>
+          </p:style>
+          <p:txBody>
+            <a:bodyPr rtlCol="0" anchor="ctr"/>
+            <a:lstStyle/>
+            <a:p>
+              <a:pPr algn="ctr"/>
+              <a:endParaRPr lang="en-GB">
+                <a:ln>
+                  <a:solidFill>
+                    <a:srgbClr val="FF66CC"/>
+                  </a:solidFill>
+                </a:ln>
+              </a:endParaRPr>
+            </a:p>
+          </p:txBody>
+        </p:sp>
+      </p:grpSp>
+      <p:pic>
+        <p:nvPicPr>
+          <p:cNvPr id="28" name="Picture 27"/>
+          <p:cNvPicPr>
+            <a:picLocks noChangeAspect="1"/>
+          </p:cNvPicPr>
+          <p:nvPr/>
+        </p:nvPicPr>
+        <p:blipFill>
+          <a:blip r:embed="rId18"/>
+          <a:stretch>
+            <a:fillRect/>
+          </a:stretch>
+        </p:blipFill>
+        <p:spPr>
+          <a:xfrm>
+            <a:off x="9043" y="6313915"/>
+            <a:ext cx="1612107" cy="544085"/>
           </a:xfrm>
           <a:prstGeom prst="rect">
             <a:avLst/>
@@ -19185,7 +20270,7 @@
         </p:nvSpPr>
         <p:spPr>
           <a:xfrm>
-            <a:off x="2114017" y="294578"/>
+            <a:off x="2106205" y="78544"/>
             <a:ext cx="6869824" cy="830997"/>
           </a:xfrm>
           <a:prstGeom prst="rect">
@@ -19202,7 +20287,7 @@
             <a:r>
               <a:rPr lang="en-US" sz="4800" dirty="0" smtClean="0">
                 <a:solidFill>
-                  <a:schemeClr val="accent1"/>
+                  <a:srgbClr val="002060"/>
                 </a:solidFill>
                 <a:effectLst>
                   <a:outerShdw blurRad="38100" dist="38100" dir="2700000" algn="tl">
@@ -19321,22 +20406,7 @@
                   </a:outerShdw>
                 </a:effectLst>
               </a:rPr>
-              <a:t>alpaBuddhabhatti/</a:t>
-            </a:r>
-            <a:r>
-              <a:rPr lang="en-GB" sz="2800" dirty="0" smtClean="0">
-                <a:solidFill>
-                  <a:schemeClr val="accent1"/>
-                </a:solidFill>
-                <a:effectLst>
-                  <a:outerShdw blurRad="38100" dist="38100" dir="2700000" algn="tl">
-                    <a:srgbClr val="000000">
-                      <a:alpha val="43137"/>
-                    </a:srgbClr>
-                  </a:outerShdw>
-                </a:effectLst>
-              </a:rPr>
-              <a:t>CloudBrew2022</a:t>
+              <a:t>alpaBuddhabhatti/CloudBrew2022</a:t>
             </a:r>
             <a:endParaRPr lang="en-GB" sz="2800" dirty="0">
               <a:solidFill>
@@ -19364,6 +20434,231 @@
           </a:p>
         </p:txBody>
       </p:sp>
+      <p:sp>
+        <p:nvSpPr>
+          <p:cNvPr id="7" name="Rectangle 6"/>
+          <p:cNvSpPr/>
+          <p:nvPr/>
+        </p:nvSpPr>
+        <p:spPr>
+          <a:xfrm>
+            <a:off x="6020531" y="3944939"/>
+            <a:ext cx="5068888" cy="523220"/>
+          </a:xfrm>
+          <a:prstGeom prst="rect">
+            <a:avLst/>
+          </a:prstGeom>
+        </p:spPr>
+        <p:txBody>
+          <a:bodyPr wrap="none">
+            <a:spAutoFit/>
+          </a:bodyPr>
+          <a:lstStyle/>
+          <a:p>
+            <a:r>
+              <a:rPr lang="en-GB" sz="2800" dirty="0">
+                <a:solidFill>
+                  <a:schemeClr val="accent1"/>
+                </a:solidFill>
+                <a:effectLst>
+                  <a:outerShdw blurRad="38100" dist="38100" dir="2700000" algn="tl">
+                    <a:srgbClr val="000000">
+                      <a:alpha val="43137"/>
+                    </a:srgbClr>
+                  </a:outerShdw>
+                </a:effectLst>
+              </a:rPr>
+              <a:t>https://medium.com/@meetalpa</a:t>
+            </a:r>
+          </a:p>
+        </p:txBody>
+      </p:sp>
+      <p:grpSp>
+        <p:nvGrpSpPr>
+          <p:cNvPr id="16" name="Group 15"/>
+          <p:cNvGrpSpPr/>
+          <p:nvPr/>
+        </p:nvGrpSpPr>
+        <p:grpSpPr>
+          <a:xfrm>
+            <a:off x="5419165" y="4061012"/>
+            <a:ext cx="467672" cy="367554"/>
+            <a:chOff x="5419165" y="4061012"/>
+            <a:chExt cx="467672" cy="367554"/>
+          </a:xfrm>
+        </p:grpSpPr>
+        <p:sp>
+          <p:nvSpPr>
+            <p:cNvPr id="12" name="Oval 11"/>
+            <p:cNvSpPr/>
+            <p:nvPr/>
+          </p:nvSpPr>
+          <p:spPr>
+            <a:xfrm>
+              <a:off x="5419165" y="4061012"/>
+              <a:ext cx="243905" cy="331694"/>
+            </a:xfrm>
+            <a:prstGeom prst="ellipse">
+              <a:avLst/>
+            </a:prstGeom>
+            <a:solidFill>
+              <a:srgbClr val="D57991"/>
+            </a:solidFill>
+          </p:spPr>
+          <p:style>
+            <a:lnRef idx="2">
+              <a:schemeClr val="accent1">
+                <a:shade val="50000"/>
+              </a:schemeClr>
+            </a:lnRef>
+            <a:fillRef idx="1">
+              <a:schemeClr val="accent1"/>
+            </a:fillRef>
+            <a:effectRef idx="0">
+              <a:schemeClr val="accent1"/>
+            </a:effectRef>
+            <a:fontRef idx="minor">
+              <a:schemeClr val="lt1"/>
+            </a:fontRef>
+          </p:style>
+          <p:txBody>
+            <a:bodyPr rtlCol="0" anchor="ctr"/>
+            <a:lstStyle/>
+            <a:p>
+              <a:pPr algn="ctr"/>
+              <a:endParaRPr lang="en-GB">
+                <a:ln>
+                  <a:solidFill>
+                    <a:srgbClr val="FF66CC"/>
+                  </a:solidFill>
+                </a:ln>
+              </a:endParaRPr>
+            </a:p>
+          </p:txBody>
+        </p:sp>
+        <p:sp>
+          <p:nvSpPr>
+            <p:cNvPr id="14" name="Oval 13"/>
+            <p:cNvSpPr/>
+            <p:nvPr/>
+          </p:nvSpPr>
+          <p:spPr>
+            <a:xfrm>
+              <a:off x="5691100" y="4061012"/>
+              <a:ext cx="122512" cy="345142"/>
+            </a:xfrm>
+            <a:prstGeom prst="ellipse">
+              <a:avLst/>
+            </a:prstGeom>
+            <a:solidFill>
+              <a:srgbClr val="D57991"/>
+            </a:solidFill>
+          </p:spPr>
+          <p:style>
+            <a:lnRef idx="2">
+              <a:schemeClr val="accent1">
+                <a:shade val="50000"/>
+              </a:schemeClr>
+            </a:lnRef>
+            <a:fillRef idx="1">
+              <a:schemeClr val="accent1"/>
+            </a:fillRef>
+            <a:effectRef idx="0">
+              <a:schemeClr val="accent1"/>
+            </a:effectRef>
+            <a:fontRef idx="minor">
+              <a:schemeClr val="lt1"/>
+            </a:fontRef>
+          </p:style>
+          <p:txBody>
+            <a:bodyPr rtlCol="0" anchor="ctr"/>
+            <a:lstStyle/>
+            <a:p>
+              <a:pPr algn="ctr"/>
+              <a:endParaRPr lang="en-GB">
+                <a:ln>
+                  <a:solidFill>
+                    <a:srgbClr val="FF66CC"/>
+                  </a:solidFill>
+                </a:ln>
+              </a:endParaRPr>
+            </a:p>
+          </p:txBody>
+        </p:sp>
+        <p:sp>
+          <p:nvSpPr>
+            <p:cNvPr id="15" name="Oval 14"/>
+            <p:cNvSpPr/>
+            <p:nvPr/>
+          </p:nvSpPr>
+          <p:spPr>
+            <a:xfrm flipV="1">
+              <a:off x="5841118" y="4061012"/>
+              <a:ext cx="45719" cy="367554"/>
+            </a:xfrm>
+            <a:prstGeom prst="ellipse">
+              <a:avLst/>
+            </a:prstGeom>
+            <a:solidFill>
+              <a:srgbClr val="D57991"/>
+            </a:solidFill>
+          </p:spPr>
+          <p:style>
+            <a:lnRef idx="2">
+              <a:schemeClr val="accent1">
+                <a:shade val="50000"/>
+              </a:schemeClr>
+            </a:lnRef>
+            <a:fillRef idx="1">
+              <a:schemeClr val="accent1"/>
+            </a:fillRef>
+            <a:effectRef idx="0">
+              <a:schemeClr val="accent1"/>
+            </a:effectRef>
+            <a:fontRef idx="minor">
+              <a:schemeClr val="lt1"/>
+            </a:fontRef>
+          </p:style>
+          <p:txBody>
+            <a:bodyPr rtlCol="0" anchor="ctr"/>
+            <a:lstStyle/>
+            <a:p>
+              <a:pPr algn="ctr"/>
+              <a:endParaRPr lang="en-GB">
+                <a:ln>
+                  <a:solidFill>
+                    <a:srgbClr val="FF66CC"/>
+                  </a:solidFill>
+                </a:ln>
+              </a:endParaRPr>
+            </a:p>
+          </p:txBody>
+        </p:sp>
+      </p:grpSp>
+      <p:pic>
+        <p:nvPicPr>
+          <p:cNvPr id="5" name="Picture 4"/>
+          <p:cNvPicPr>
+            <a:picLocks noChangeAspect="1"/>
+          </p:cNvPicPr>
+          <p:nvPr/>
+        </p:nvPicPr>
+        <p:blipFill>
+          <a:blip r:embed="rId16"/>
+          <a:stretch>
+            <a:fillRect/>
+          </a:stretch>
+        </p:blipFill>
+        <p:spPr>
+          <a:xfrm>
+            <a:off x="9043" y="6313915"/>
+            <a:ext cx="1612107" cy="544085"/>
+          </a:xfrm>
+          <a:prstGeom prst="rect">
+            <a:avLst/>
+          </a:prstGeom>
+        </p:spPr>
+      </p:pic>
     </p:spTree>
     <p:extLst>
       <p:ext uri="{BB962C8B-B14F-4D97-AF65-F5344CB8AC3E}">
@@ -19666,9 +20961,9 @@
           <a:p>
             <a:pPr algn="ctr"/>
             <a:r>
-              <a:rPr lang="en-GB" sz="4800" dirty="0">
+              <a:rPr lang="en-GB" sz="4800" dirty="0" smtClean="0">
                 <a:solidFill>
-                  <a:schemeClr val="accent1"/>
+                  <a:srgbClr val="002060"/>
                 </a:solidFill>
                 <a:effectLst>
                   <a:outerShdw blurRad="38100" dist="38100" dir="2700000" algn="tl">
@@ -19679,8 +20974,21 @@
                 </a:effectLst>
                 <a:latin typeface="+mn-lt"/>
               </a:rPr>
-              <a:t>Agenda</a:t>
-            </a:r>
+              <a:t>Today’s Agenda</a:t>
+            </a:r>
+            <a:endParaRPr lang="en-GB" sz="4800" dirty="0">
+              <a:solidFill>
+                <a:srgbClr val="002060"/>
+              </a:solidFill>
+              <a:effectLst>
+                <a:outerShdw blurRad="38100" dist="38100" dir="2700000" algn="tl">
+                  <a:srgbClr val="000000">
+                    <a:alpha val="43137"/>
+                  </a:srgbClr>
+                </a:outerShdw>
+              </a:effectLst>
+              <a:latin typeface="+mn-lt"/>
+            </a:endParaRPr>
           </a:p>
         </p:txBody>
       </p:sp>
@@ -19776,6 +21084,30 @@
           <a:xfrm>
             <a:off x="11273587" y="0"/>
             <a:ext cx="857250" cy="542012"/>
+          </a:xfrm>
+          <a:prstGeom prst="rect">
+            <a:avLst/>
+          </a:prstGeom>
+        </p:spPr>
+      </p:pic>
+      <p:pic>
+        <p:nvPicPr>
+          <p:cNvPr id="10" name="Picture 9"/>
+          <p:cNvPicPr>
+            <a:picLocks noChangeAspect="1"/>
+          </p:cNvPicPr>
+          <p:nvPr/>
+        </p:nvPicPr>
+        <p:blipFill>
+          <a:blip r:embed="rId4"/>
+          <a:stretch>
+            <a:fillRect/>
+          </a:stretch>
+        </p:blipFill>
+        <p:spPr>
+          <a:xfrm>
+            <a:off x="9043" y="6313915"/>
+            <a:ext cx="1612107" cy="544085"/>
           </a:xfrm>
           <a:prstGeom prst="rect">
             <a:avLst/>
@@ -19907,7 +21239,7 @@
             <a:r>
               <a:rPr lang="en-US" sz="6000" dirty="0" smtClean="0">
                 <a:solidFill>
-                  <a:schemeClr val="accent1"/>
+                  <a:srgbClr val="002060"/>
                 </a:solidFill>
                 <a:effectLst>
                   <a:outerShdw blurRad="38100" dist="38100" dir="2700000" algn="tl">
@@ -19921,7 +21253,7 @@
             </a:r>
             <a:endParaRPr lang="en-GB" sz="6000" dirty="0">
               <a:solidFill>
-                <a:schemeClr val="accent1"/>
+                <a:srgbClr val="002060"/>
               </a:solidFill>
               <a:effectLst>
                 <a:outerShdw blurRad="38100" dist="38100" dir="2700000" algn="tl">
@@ -19952,6 +21284,30 @@
           <a:xfrm>
             <a:off x="5607423" y="4129606"/>
             <a:ext cx="735106" cy="948899"/>
+          </a:xfrm>
+          <a:prstGeom prst="rect">
+            <a:avLst/>
+          </a:prstGeom>
+        </p:spPr>
+      </p:pic>
+      <p:pic>
+        <p:nvPicPr>
+          <p:cNvPr id="6" name="Picture 5"/>
+          <p:cNvPicPr>
+            <a:picLocks noChangeAspect="1"/>
+          </p:cNvPicPr>
+          <p:nvPr/>
+        </p:nvPicPr>
+        <p:blipFill>
+          <a:blip r:embed="rId3"/>
+          <a:stretch>
+            <a:fillRect/>
+          </a:stretch>
+        </p:blipFill>
+        <p:spPr>
+          <a:xfrm>
+            <a:off x="9043" y="6313915"/>
+            <a:ext cx="1612107" cy="544085"/>
           </a:xfrm>
           <a:prstGeom prst="rect">
             <a:avLst/>
@@ -20007,19 +21363,21 @@
         </p:nvSpPr>
         <p:spPr>
           <a:xfrm>
-            <a:off x="1002030" y="118278"/>
+            <a:off x="1010995" y="0"/>
             <a:ext cx="10515600" cy="1325563"/>
           </a:xfrm>
         </p:spPr>
         <p:txBody>
-          <a:bodyPr/>
+          <a:bodyPr>
+            <a:normAutofit/>
+          </a:bodyPr>
           <a:lstStyle/>
           <a:p>
             <a:pPr algn="ctr"/>
             <a:r>
-              <a:rPr lang="en-US" dirty="0">
+              <a:rPr lang="en-US" sz="4800" dirty="0">
                 <a:solidFill>
-                  <a:schemeClr val="accent1"/>
+                  <a:srgbClr val="002060"/>
                 </a:solidFill>
                 <a:effectLst>
                   <a:outerShdw blurRad="38100" dist="38100" dir="2700000" algn="tl">
@@ -20032,9 +21390,9 @@
               </a:rPr>
               <a:t>What is Azure Data Factory(ADF)?</a:t>
             </a:r>
-            <a:endParaRPr lang="en-GB" dirty="0">
+            <a:endParaRPr lang="en-GB" sz="4800" dirty="0">
               <a:solidFill>
-                <a:schemeClr val="accent1"/>
+                <a:srgbClr val="002060"/>
               </a:solidFill>
               <a:effectLst>
                 <a:outerShdw blurRad="38100" dist="38100" dir="2700000" algn="tl">
@@ -20377,6 +21735,30 @@
           <a:xfrm>
             <a:off x="35858" y="9757"/>
             <a:ext cx="690283" cy="771302"/>
+          </a:xfrm>
+          <a:prstGeom prst="rect">
+            <a:avLst/>
+          </a:prstGeom>
+        </p:spPr>
+      </p:pic>
+      <p:pic>
+        <p:nvPicPr>
+          <p:cNvPr id="7" name="Picture 6"/>
+          <p:cNvPicPr>
+            <a:picLocks noChangeAspect="1"/>
+          </p:cNvPicPr>
+          <p:nvPr/>
+        </p:nvPicPr>
+        <p:blipFill>
+          <a:blip r:embed="rId3"/>
+          <a:stretch>
+            <a:fillRect/>
+          </a:stretch>
+        </p:blipFill>
+        <p:spPr>
+          <a:xfrm>
+            <a:off x="9043" y="6313915"/>
+            <a:ext cx="1612107" cy="544085"/>
           </a:xfrm>
           <a:prstGeom prst="rect">
             <a:avLst/>
@@ -20698,16 +22080,23 @@
             <p:ph type="title"/>
           </p:nvPr>
         </p:nvSpPr>
-        <p:spPr/>
+        <p:spPr>
+          <a:xfrm>
+            <a:off x="883023" y="0"/>
+            <a:ext cx="10515600" cy="1325563"/>
+          </a:xfrm>
+        </p:spPr>
         <p:txBody>
-          <a:bodyPr/>
+          <a:bodyPr>
+            <a:normAutofit/>
+          </a:bodyPr>
           <a:lstStyle/>
           <a:p>
             <a:pPr algn="ctr"/>
             <a:r>
-              <a:rPr lang="en-US" dirty="0">
+              <a:rPr lang="en-US" sz="4800" dirty="0">
                 <a:solidFill>
-                  <a:schemeClr val="accent1"/>
+                  <a:srgbClr val="002060"/>
                 </a:solidFill>
                 <a:effectLst>
                   <a:outerShdw blurRad="38100" dist="38100" dir="2700000" algn="tl">
@@ -20720,9 +22109,9 @@
               </a:rPr>
               <a:t>What are Key Components of ADF?</a:t>
             </a:r>
-            <a:endParaRPr lang="en-GB" dirty="0">
+            <a:endParaRPr lang="en-GB" sz="4800" dirty="0">
               <a:solidFill>
-                <a:schemeClr val="accent1"/>
+                <a:srgbClr val="002060"/>
               </a:solidFill>
               <a:effectLst>
                 <a:outerShdw blurRad="38100" dist="38100" dir="2700000" algn="tl">
@@ -21422,6 +22811,30 @@
           <a:xfrm>
             <a:off x="49305" y="22928"/>
             <a:ext cx="690283" cy="771302"/>
+          </a:xfrm>
+          <a:prstGeom prst="rect">
+            <a:avLst/>
+          </a:prstGeom>
+        </p:spPr>
+      </p:pic>
+      <p:pic>
+        <p:nvPicPr>
+          <p:cNvPr id="16" name="Picture 15"/>
+          <p:cNvPicPr>
+            <a:picLocks noChangeAspect="1"/>
+          </p:cNvPicPr>
+          <p:nvPr/>
+        </p:nvPicPr>
+        <p:blipFill>
+          <a:blip r:embed="rId3"/>
+          <a:stretch>
+            <a:fillRect/>
+          </a:stretch>
+        </p:blipFill>
+        <p:spPr>
+          <a:xfrm>
+            <a:off x="9043" y="6313915"/>
+            <a:ext cx="1612107" cy="544085"/>
           </a:xfrm>
           <a:prstGeom prst="rect">
             <a:avLst/>
@@ -21872,19 +23285,21 @@
         </p:nvSpPr>
         <p:spPr>
           <a:xfrm>
-            <a:off x="1270978" y="129421"/>
+            <a:off x="1274444" y="-29814"/>
             <a:ext cx="10515600" cy="1325563"/>
           </a:xfrm>
         </p:spPr>
         <p:txBody>
-          <a:bodyPr/>
+          <a:bodyPr>
+            <a:normAutofit/>
+          </a:bodyPr>
           <a:lstStyle/>
           <a:p>
             <a:pPr algn="ctr"/>
             <a:r>
-              <a:rPr lang="en-US" dirty="0">
+              <a:rPr lang="en-US" sz="4800" dirty="0">
                 <a:solidFill>
-                  <a:schemeClr val="accent1"/>
+                  <a:srgbClr val="002060"/>
                 </a:solidFill>
                 <a:effectLst>
                   <a:outerShdw blurRad="38100" dist="38100" dir="2700000" algn="tl">
@@ -21897,7 +23312,10 @@
               </a:rPr>
               <a:t>What can you do in ADF? </a:t>
             </a:r>
-            <a:endParaRPr lang="en-GB" dirty="0">
+            <a:endParaRPr lang="en-GB" sz="4800" dirty="0">
+              <a:solidFill>
+                <a:srgbClr val="002060"/>
+              </a:solidFill>
               <a:effectLst>
                 <a:outerShdw blurRad="38100" dist="38100" dir="2700000" algn="tl">
                   <a:srgbClr val="000000">
@@ -22731,6 +24149,30 @@
           <a:xfrm>
             <a:off x="10514" y="0"/>
             <a:ext cx="690283" cy="771302"/>
+          </a:xfrm>
+          <a:prstGeom prst="rect">
+            <a:avLst/>
+          </a:prstGeom>
+        </p:spPr>
+      </p:pic>
+      <p:pic>
+        <p:nvPicPr>
+          <p:cNvPr id="48" name="Picture 47"/>
+          <p:cNvPicPr>
+            <a:picLocks noChangeAspect="1"/>
+          </p:cNvPicPr>
+          <p:nvPr/>
+        </p:nvPicPr>
+        <p:blipFill>
+          <a:blip r:embed="rId16"/>
+          <a:stretch>
+            <a:fillRect/>
+          </a:stretch>
+        </p:blipFill>
+        <p:spPr>
+          <a:xfrm>
+            <a:off x="9043" y="6313915"/>
+            <a:ext cx="1612107" cy="544085"/>
           </a:xfrm>
           <a:prstGeom prst="rect">
             <a:avLst/>
@@ -23309,16 +24751,23 @@
             <p:ph type="title"/>
           </p:nvPr>
         </p:nvSpPr>
-        <p:spPr/>
+        <p:spPr>
+          <a:xfrm>
+            <a:off x="878542" y="-46519"/>
+            <a:ext cx="10515600" cy="1325563"/>
+          </a:xfrm>
+        </p:spPr>
         <p:txBody>
-          <a:bodyPr/>
+          <a:bodyPr>
+            <a:normAutofit/>
+          </a:bodyPr>
           <a:lstStyle/>
           <a:p>
             <a:pPr algn="ctr"/>
             <a:r>
-              <a:rPr lang="en-US" dirty="0">
+              <a:rPr lang="en-US" sz="4800" dirty="0">
                 <a:solidFill>
-                  <a:schemeClr val="accent1"/>
+                  <a:srgbClr val="002060"/>
                 </a:solidFill>
                 <a:effectLst>
                   <a:outerShdw blurRad="38100" dist="38100" dir="2700000" algn="tl">
@@ -23331,7 +24780,10 @@
               </a:rPr>
               <a:t>What can you do in ADF? </a:t>
             </a:r>
-            <a:endParaRPr lang="en-GB" dirty="0">
+            <a:endParaRPr lang="en-GB" sz="4800" dirty="0">
+              <a:solidFill>
+                <a:srgbClr val="002060"/>
+              </a:solidFill>
               <a:effectLst>
                 <a:outerShdw blurRad="38100" dist="38100" dir="2700000" algn="tl">
                   <a:srgbClr val="000000">
@@ -23950,6 +25402,30 @@
           <a:xfrm>
             <a:off x="11751" y="0"/>
             <a:ext cx="690283" cy="771302"/>
+          </a:xfrm>
+          <a:prstGeom prst="rect">
+            <a:avLst/>
+          </a:prstGeom>
+        </p:spPr>
+      </p:pic>
+      <p:pic>
+        <p:nvPicPr>
+          <p:cNvPr id="27" name="Picture 26"/>
+          <p:cNvPicPr>
+            <a:picLocks noChangeAspect="1"/>
+          </p:cNvPicPr>
+          <p:nvPr/>
+        </p:nvPicPr>
+        <p:blipFill>
+          <a:blip r:embed="rId12"/>
+          <a:stretch>
+            <a:fillRect/>
+          </a:stretch>
+        </p:blipFill>
+        <p:spPr>
+          <a:xfrm>
+            <a:off x="9043" y="6313915"/>
+            <a:ext cx="1612107" cy="544085"/>
           </a:xfrm>
           <a:prstGeom prst="rect">
             <a:avLst/>
